--- a/Beaker-rspec.pptx
+++ b/Beaker-rspec.pptx
@@ -4490,34 +4490,44 @@
           <a:p>
             <a:r>
               <a:rPr lang="en-US" dirty="0" err="1" smtClean="0"/>
-              <a:t>Induja</a:t>
-            </a:r>
-            <a:r>
-              <a:rPr lang="en-US" dirty="0" smtClean="0"/>
-              <a:t> </a:t>
+              <a:t>Git</a:t>
+            </a:r>
+            <a:r>
+              <a:rPr lang="en-US" dirty="0" smtClean="0"/>
+              <a:t> Hub: Induja0107 </a:t>
+            </a:r>
+            <a:endParaRPr lang="en-US" dirty="0" smtClean="0"/>
+          </a:p>
+          <a:p>
+            <a:r>
+              <a:rPr lang="en-US" dirty="0" smtClean="0"/>
+              <a:t>Technical Solution Architect </a:t>
+            </a:r>
+          </a:p>
+          <a:p>
+            <a:r>
+              <a:rPr lang="en-US" dirty="0" smtClean="0"/>
+              <a:t>Over 11 years into Software development.</a:t>
+            </a:r>
+          </a:p>
+          <a:p>
+            <a:r>
+              <a:rPr lang="en-US" dirty="0" smtClean="0"/>
+              <a:t>Three terms that define my experience: Financial Services, Cloud, Java.</a:t>
+            </a:r>
+          </a:p>
+          <a:p>
+            <a:r>
+              <a:rPr lang="en-US" dirty="0" smtClean="0"/>
+              <a:t>Puppet developer and cloud </a:t>
             </a:r>
             <a:r>
               <a:rPr lang="en-US" dirty="0" err="1" smtClean="0"/>
-              <a:t>Vijayaragavan</a:t>
-            </a:r>
-            <a:endParaRPr lang="en-US" dirty="0" smtClean="0"/>
-          </a:p>
-          <a:p>
-            <a:r>
-              <a:rPr lang="en-US" dirty="0" smtClean="0"/>
-              <a:t>Technical Solution Architect @ Mutual of Omaha</a:t>
-            </a:r>
-          </a:p>
-          <a:p>
-            <a:r>
-              <a:rPr lang="en-US" dirty="0" smtClean="0"/>
-              <a:t>Over 11 years into Software development.</a:t>
-            </a:r>
-          </a:p>
-          <a:p>
-            <a:r>
-              <a:rPr lang="en-US" dirty="0" smtClean="0"/>
-              <a:t>Three terms that define my experience: Financial Services, Cloud, Java.</a:t>
+              <a:t>devops</a:t>
+            </a:r>
+            <a:r>
+              <a:rPr lang="en-US" dirty="0" smtClean="0"/>
+              <a:t> specialist.</a:t>
             </a:r>
             <a:endParaRPr lang="en-US" dirty="0"/>
           </a:p>
@@ -4600,15 +4610,7 @@
           <a:p>
             <a:r>
               <a:rPr lang="en-US" dirty="0" smtClean="0"/>
-              <a:t>System build, provisioning and </a:t>
-            </a:r>
-            <a:r>
-              <a:rPr lang="en-US" dirty="0" smtClean="0"/>
-              <a:t>management </a:t>
-            </a:r>
-            <a:r>
-              <a:rPr lang="en-US" dirty="0" smtClean="0"/>
-              <a:t>automation through code</a:t>
+              <a:t>System build, provisioning and management automation through code</a:t>
             </a:r>
           </a:p>
           <a:p>
@@ -5323,11 +5325,7 @@
           <a:p>
             <a:r>
               <a:rPr lang="en-US" dirty="0" smtClean="0"/>
-              <a:t>Create node </a:t>
-            </a:r>
-            <a:r>
-              <a:rPr lang="en-US" dirty="0" smtClean="0"/>
-              <a:t>files (</a:t>
+              <a:t>Create node files (</a:t>
             </a:r>
             <a:r>
               <a:rPr lang="en-US" dirty="0" err="1" smtClean="0"/>
@@ -5337,7 +5335,6 @@
               <a:rPr lang="en-US" dirty="0" smtClean="0"/>
               <a:t>/centos-7.yml)</a:t>
             </a:r>
-            <a:endParaRPr lang="en-US" dirty="0" smtClean="0"/>
           </a:p>
           <a:p>
             <a:r>

--- a/Beaker-rspec.pptx
+++ b/Beaker-rspec.pptx
@@ -3553,9 +3553,706 @@
   <p:timing>
     <p:tnLst>
       <p:par>
-        <p:cTn id="1" dur="indefinite" restart="never" nodeType="tmRoot"/>
+        <p:cTn id="1" dur="indefinite" restart="never" nodeType="tmRoot">
+          <p:childTnLst>
+            <p:seq concurrent="1" nextAc="seek">
+              <p:cTn id="2" dur="indefinite" nodeType="mainSeq">
+                <p:childTnLst>
+                  <p:par>
+                    <p:cTn id="3" fill="hold">
+                      <p:stCondLst>
+                        <p:cond delay="indefinite"/>
+                      </p:stCondLst>
+                      <p:childTnLst>
+                        <p:par>
+                          <p:cTn id="4" fill="hold">
+                            <p:stCondLst>
+                              <p:cond delay="0"/>
+                            </p:stCondLst>
+                            <p:childTnLst>
+                              <p:par>
+                                <p:cTn id="5" presetID="10" presetClass="entr" presetSubtype="0" fill="hold" grpId="0" nodeType="clickEffect">
+                                  <p:stCondLst>
+                                    <p:cond delay="0"/>
+                                  </p:stCondLst>
+                                  <p:childTnLst>
+                                    <p:set>
+                                      <p:cBhvr>
+                                        <p:cTn id="6" dur="1" fill="hold">
+                                          <p:stCondLst>
+                                            <p:cond delay="0"/>
+                                          </p:stCondLst>
+                                        </p:cTn>
+                                        <p:tgtEl>
+                                          <p:spTgt spid="3">
+                                            <p:txEl>
+                                              <p:pRg st="0" end="0"/>
+                                            </p:txEl>
+                                          </p:spTgt>
+                                        </p:tgtEl>
+                                        <p:attrNameLst>
+                                          <p:attrName>style.visibility</p:attrName>
+                                        </p:attrNameLst>
+                                      </p:cBhvr>
+                                      <p:to>
+                                        <p:strVal val="visible"/>
+                                      </p:to>
+                                    </p:set>
+                                    <p:animEffect transition="in" filter="fade">
+                                      <p:cBhvr>
+                                        <p:cTn id="7" dur="500"/>
+                                        <p:tgtEl>
+                                          <p:spTgt spid="3">
+                                            <p:txEl>
+                                              <p:pRg st="0" end="0"/>
+                                            </p:txEl>
+                                          </p:spTgt>
+                                        </p:tgtEl>
+                                      </p:cBhvr>
+                                    </p:animEffect>
+                                  </p:childTnLst>
+                                </p:cTn>
+                              </p:par>
+                            </p:childTnLst>
+                          </p:cTn>
+                        </p:par>
+                      </p:childTnLst>
+                    </p:cTn>
+                  </p:par>
+                  <p:par>
+                    <p:cTn id="8" fill="hold">
+                      <p:stCondLst>
+                        <p:cond delay="indefinite"/>
+                      </p:stCondLst>
+                      <p:childTnLst>
+                        <p:par>
+                          <p:cTn id="9" fill="hold">
+                            <p:stCondLst>
+                              <p:cond delay="0"/>
+                            </p:stCondLst>
+                            <p:childTnLst>
+                              <p:par>
+                                <p:cTn id="10" presetID="10" presetClass="entr" presetSubtype="0" fill="hold" grpId="0" nodeType="clickEffect">
+                                  <p:stCondLst>
+                                    <p:cond delay="0"/>
+                                  </p:stCondLst>
+                                  <p:childTnLst>
+                                    <p:set>
+                                      <p:cBhvr>
+                                        <p:cTn id="11" dur="1" fill="hold">
+                                          <p:stCondLst>
+                                            <p:cond delay="0"/>
+                                          </p:stCondLst>
+                                        </p:cTn>
+                                        <p:tgtEl>
+                                          <p:spTgt spid="3">
+                                            <p:txEl>
+                                              <p:pRg st="1" end="1"/>
+                                            </p:txEl>
+                                          </p:spTgt>
+                                        </p:tgtEl>
+                                        <p:attrNameLst>
+                                          <p:attrName>style.visibility</p:attrName>
+                                        </p:attrNameLst>
+                                      </p:cBhvr>
+                                      <p:to>
+                                        <p:strVal val="visible"/>
+                                      </p:to>
+                                    </p:set>
+                                    <p:animEffect transition="in" filter="fade">
+                                      <p:cBhvr>
+                                        <p:cTn id="12" dur="500"/>
+                                        <p:tgtEl>
+                                          <p:spTgt spid="3">
+                                            <p:txEl>
+                                              <p:pRg st="1" end="1"/>
+                                            </p:txEl>
+                                          </p:spTgt>
+                                        </p:tgtEl>
+                                      </p:cBhvr>
+                                    </p:animEffect>
+                                  </p:childTnLst>
+                                </p:cTn>
+                              </p:par>
+                            </p:childTnLst>
+                          </p:cTn>
+                        </p:par>
+                      </p:childTnLst>
+                    </p:cTn>
+                  </p:par>
+                  <p:par>
+                    <p:cTn id="13" fill="hold">
+                      <p:stCondLst>
+                        <p:cond delay="indefinite"/>
+                      </p:stCondLst>
+                      <p:childTnLst>
+                        <p:par>
+                          <p:cTn id="14" fill="hold">
+                            <p:stCondLst>
+                              <p:cond delay="0"/>
+                            </p:stCondLst>
+                            <p:childTnLst>
+                              <p:par>
+                                <p:cTn id="15" presetID="10" presetClass="entr" presetSubtype="0" fill="hold" grpId="0" nodeType="clickEffect">
+                                  <p:stCondLst>
+                                    <p:cond delay="0"/>
+                                  </p:stCondLst>
+                                  <p:childTnLst>
+                                    <p:set>
+                                      <p:cBhvr>
+                                        <p:cTn id="16" dur="1" fill="hold">
+                                          <p:stCondLst>
+                                            <p:cond delay="0"/>
+                                          </p:stCondLst>
+                                        </p:cTn>
+                                        <p:tgtEl>
+                                          <p:spTgt spid="3">
+                                            <p:txEl>
+                                              <p:pRg st="2" end="2"/>
+                                            </p:txEl>
+                                          </p:spTgt>
+                                        </p:tgtEl>
+                                        <p:attrNameLst>
+                                          <p:attrName>style.visibility</p:attrName>
+                                        </p:attrNameLst>
+                                      </p:cBhvr>
+                                      <p:to>
+                                        <p:strVal val="visible"/>
+                                      </p:to>
+                                    </p:set>
+                                    <p:animEffect transition="in" filter="fade">
+                                      <p:cBhvr>
+                                        <p:cTn id="17" dur="500"/>
+                                        <p:tgtEl>
+                                          <p:spTgt spid="3">
+                                            <p:txEl>
+                                              <p:pRg st="2" end="2"/>
+                                            </p:txEl>
+                                          </p:spTgt>
+                                        </p:tgtEl>
+                                      </p:cBhvr>
+                                    </p:animEffect>
+                                  </p:childTnLst>
+                                </p:cTn>
+                              </p:par>
+                            </p:childTnLst>
+                          </p:cTn>
+                        </p:par>
+                      </p:childTnLst>
+                    </p:cTn>
+                  </p:par>
+                  <p:par>
+                    <p:cTn id="18" fill="hold">
+                      <p:stCondLst>
+                        <p:cond delay="indefinite"/>
+                      </p:stCondLst>
+                      <p:childTnLst>
+                        <p:par>
+                          <p:cTn id="19" fill="hold">
+                            <p:stCondLst>
+                              <p:cond delay="0"/>
+                            </p:stCondLst>
+                            <p:childTnLst>
+                              <p:par>
+                                <p:cTn id="20" presetID="10" presetClass="entr" presetSubtype="0" fill="hold" grpId="0" nodeType="clickEffect">
+                                  <p:stCondLst>
+                                    <p:cond delay="0"/>
+                                  </p:stCondLst>
+                                  <p:childTnLst>
+                                    <p:set>
+                                      <p:cBhvr>
+                                        <p:cTn id="21" dur="1" fill="hold">
+                                          <p:stCondLst>
+                                            <p:cond delay="0"/>
+                                          </p:stCondLst>
+                                        </p:cTn>
+                                        <p:tgtEl>
+                                          <p:spTgt spid="3">
+                                            <p:txEl>
+                                              <p:pRg st="3" end="3"/>
+                                            </p:txEl>
+                                          </p:spTgt>
+                                        </p:tgtEl>
+                                        <p:attrNameLst>
+                                          <p:attrName>style.visibility</p:attrName>
+                                        </p:attrNameLst>
+                                      </p:cBhvr>
+                                      <p:to>
+                                        <p:strVal val="visible"/>
+                                      </p:to>
+                                    </p:set>
+                                    <p:animEffect transition="in" filter="fade">
+                                      <p:cBhvr>
+                                        <p:cTn id="22" dur="500"/>
+                                        <p:tgtEl>
+                                          <p:spTgt spid="3">
+                                            <p:txEl>
+                                              <p:pRg st="3" end="3"/>
+                                            </p:txEl>
+                                          </p:spTgt>
+                                        </p:tgtEl>
+                                      </p:cBhvr>
+                                    </p:animEffect>
+                                  </p:childTnLst>
+                                </p:cTn>
+                              </p:par>
+                            </p:childTnLst>
+                          </p:cTn>
+                        </p:par>
+                      </p:childTnLst>
+                    </p:cTn>
+                  </p:par>
+                  <p:par>
+                    <p:cTn id="23" fill="hold">
+                      <p:stCondLst>
+                        <p:cond delay="indefinite"/>
+                      </p:stCondLst>
+                      <p:childTnLst>
+                        <p:par>
+                          <p:cTn id="24" fill="hold">
+                            <p:stCondLst>
+                              <p:cond delay="0"/>
+                            </p:stCondLst>
+                            <p:childTnLst>
+                              <p:par>
+                                <p:cTn id="25" presetID="10" presetClass="entr" presetSubtype="0" fill="hold" grpId="0" nodeType="clickEffect">
+                                  <p:stCondLst>
+                                    <p:cond delay="0"/>
+                                  </p:stCondLst>
+                                  <p:childTnLst>
+                                    <p:set>
+                                      <p:cBhvr>
+                                        <p:cTn id="26" dur="1" fill="hold">
+                                          <p:stCondLst>
+                                            <p:cond delay="0"/>
+                                          </p:stCondLst>
+                                        </p:cTn>
+                                        <p:tgtEl>
+                                          <p:spTgt spid="3">
+                                            <p:txEl>
+                                              <p:pRg st="4" end="4"/>
+                                            </p:txEl>
+                                          </p:spTgt>
+                                        </p:tgtEl>
+                                        <p:attrNameLst>
+                                          <p:attrName>style.visibility</p:attrName>
+                                        </p:attrNameLst>
+                                      </p:cBhvr>
+                                      <p:to>
+                                        <p:strVal val="visible"/>
+                                      </p:to>
+                                    </p:set>
+                                    <p:animEffect transition="in" filter="fade">
+                                      <p:cBhvr>
+                                        <p:cTn id="27" dur="500"/>
+                                        <p:tgtEl>
+                                          <p:spTgt spid="3">
+                                            <p:txEl>
+                                              <p:pRg st="4" end="4"/>
+                                            </p:txEl>
+                                          </p:spTgt>
+                                        </p:tgtEl>
+                                      </p:cBhvr>
+                                    </p:animEffect>
+                                  </p:childTnLst>
+                                </p:cTn>
+                              </p:par>
+                            </p:childTnLst>
+                          </p:cTn>
+                        </p:par>
+                      </p:childTnLst>
+                    </p:cTn>
+                  </p:par>
+                  <p:par>
+                    <p:cTn id="28" fill="hold">
+                      <p:stCondLst>
+                        <p:cond delay="indefinite"/>
+                      </p:stCondLst>
+                      <p:childTnLst>
+                        <p:par>
+                          <p:cTn id="29" fill="hold">
+                            <p:stCondLst>
+                              <p:cond delay="0"/>
+                            </p:stCondLst>
+                            <p:childTnLst>
+                              <p:par>
+                                <p:cTn id="30" presetID="10" presetClass="entr" presetSubtype="0" fill="hold" grpId="0" nodeType="clickEffect">
+                                  <p:stCondLst>
+                                    <p:cond delay="0"/>
+                                  </p:stCondLst>
+                                  <p:childTnLst>
+                                    <p:set>
+                                      <p:cBhvr>
+                                        <p:cTn id="31" dur="1" fill="hold">
+                                          <p:stCondLst>
+                                            <p:cond delay="0"/>
+                                          </p:stCondLst>
+                                        </p:cTn>
+                                        <p:tgtEl>
+                                          <p:spTgt spid="3">
+                                            <p:txEl>
+                                              <p:pRg st="5" end="5"/>
+                                            </p:txEl>
+                                          </p:spTgt>
+                                        </p:tgtEl>
+                                        <p:attrNameLst>
+                                          <p:attrName>style.visibility</p:attrName>
+                                        </p:attrNameLst>
+                                      </p:cBhvr>
+                                      <p:to>
+                                        <p:strVal val="visible"/>
+                                      </p:to>
+                                    </p:set>
+                                    <p:animEffect transition="in" filter="fade">
+                                      <p:cBhvr>
+                                        <p:cTn id="32" dur="500"/>
+                                        <p:tgtEl>
+                                          <p:spTgt spid="3">
+                                            <p:txEl>
+                                              <p:pRg st="5" end="5"/>
+                                            </p:txEl>
+                                          </p:spTgt>
+                                        </p:tgtEl>
+                                      </p:cBhvr>
+                                    </p:animEffect>
+                                  </p:childTnLst>
+                                </p:cTn>
+                              </p:par>
+                            </p:childTnLst>
+                          </p:cTn>
+                        </p:par>
+                      </p:childTnLst>
+                    </p:cTn>
+                  </p:par>
+                  <p:par>
+                    <p:cTn id="33" fill="hold">
+                      <p:stCondLst>
+                        <p:cond delay="indefinite"/>
+                      </p:stCondLst>
+                      <p:childTnLst>
+                        <p:par>
+                          <p:cTn id="34" fill="hold">
+                            <p:stCondLst>
+                              <p:cond delay="0"/>
+                            </p:stCondLst>
+                            <p:childTnLst>
+                              <p:par>
+                                <p:cTn id="35" presetID="10" presetClass="entr" presetSubtype="0" fill="hold" grpId="0" nodeType="clickEffect">
+                                  <p:stCondLst>
+                                    <p:cond delay="0"/>
+                                  </p:stCondLst>
+                                  <p:childTnLst>
+                                    <p:set>
+                                      <p:cBhvr>
+                                        <p:cTn id="36" dur="1" fill="hold">
+                                          <p:stCondLst>
+                                            <p:cond delay="0"/>
+                                          </p:stCondLst>
+                                        </p:cTn>
+                                        <p:tgtEl>
+                                          <p:spTgt spid="3">
+                                            <p:txEl>
+                                              <p:pRg st="6" end="6"/>
+                                            </p:txEl>
+                                          </p:spTgt>
+                                        </p:tgtEl>
+                                        <p:attrNameLst>
+                                          <p:attrName>style.visibility</p:attrName>
+                                        </p:attrNameLst>
+                                      </p:cBhvr>
+                                      <p:to>
+                                        <p:strVal val="visible"/>
+                                      </p:to>
+                                    </p:set>
+                                    <p:animEffect transition="in" filter="fade">
+                                      <p:cBhvr>
+                                        <p:cTn id="37" dur="500"/>
+                                        <p:tgtEl>
+                                          <p:spTgt spid="3">
+                                            <p:txEl>
+                                              <p:pRg st="6" end="6"/>
+                                            </p:txEl>
+                                          </p:spTgt>
+                                        </p:tgtEl>
+                                      </p:cBhvr>
+                                    </p:animEffect>
+                                  </p:childTnLst>
+                                </p:cTn>
+                              </p:par>
+                            </p:childTnLst>
+                          </p:cTn>
+                        </p:par>
+                      </p:childTnLst>
+                    </p:cTn>
+                  </p:par>
+                  <p:par>
+                    <p:cTn id="38" fill="hold">
+                      <p:stCondLst>
+                        <p:cond delay="indefinite"/>
+                      </p:stCondLst>
+                      <p:childTnLst>
+                        <p:par>
+                          <p:cTn id="39" fill="hold">
+                            <p:stCondLst>
+                              <p:cond delay="0"/>
+                            </p:stCondLst>
+                            <p:childTnLst>
+                              <p:par>
+                                <p:cTn id="40" presetID="10" presetClass="entr" presetSubtype="0" fill="hold" grpId="0" nodeType="clickEffect">
+                                  <p:stCondLst>
+                                    <p:cond delay="0"/>
+                                  </p:stCondLst>
+                                  <p:childTnLst>
+                                    <p:set>
+                                      <p:cBhvr>
+                                        <p:cTn id="41" dur="1" fill="hold">
+                                          <p:stCondLst>
+                                            <p:cond delay="0"/>
+                                          </p:stCondLst>
+                                        </p:cTn>
+                                        <p:tgtEl>
+                                          <p:spTgt spid="3">
+                                            <p:txEl>
+                                              <p:pRg st="7" end="7"/>
+                                            </p:txEl>
+                                          </p:spTgt>
+                                        </p:tgtEl>
+                                        <p:attrNameLst>
+                                          <p:attrName>style.visibility</p:attrName>
+                                        </p:attrNameLst>
+                                      </p:cBhvr>
+                                      <p:to>
+                                        <p:strVal val="visible"/>
+                                      </p:to>
+                                    </p:set>
+                                    <p:animEffect transition="in" filter="fade">
+                                      <p:cBhvr>
+                                        <p:cTn id="42" dur="500"/>
+                                        <p:tgtEl>
+                                          <p:spTgt spid="3">
+                                            <p:txEl>
+                                              <p:pRg st="7" end="7"/>
+                                            </p:txEl>
+                                          </p:spTgt>
+                                        </p:tgtEl>
+                                      </p:cBhvr>
+                                    </p:animEffect>
+                                  </p:childTnLst>
+                                </p:cTn>
+                              </p:par>
+                            </p:childTnLst>
+                          </p:cTn>
+                        </p:par>
+                      </p:childTnLst>
+                    </p:cTn>
+                  </p:par>
+                  <p:par>
+                    <p:cTn id="43" fill="hold">
+                      <p:stCondLst>
+                        <p:cond delay="indefinite"/>
+                      </p:stCondLst>
+                      <p:childTnLst>
+                        <p:par>
+                          <p:cTn id="44" fill="hold">
+                            <p:stCondLst>
+                              <p:cond delay="0"/>
+                            </p:stCondLst>
+                            <p:childTnLst>
+                              <p:par>
+                                <p:cTn id="45" presetID="10" presetClass="entr" presetSubtype="0" fill="hold" grpId="0" nodeType="clickEffect">
+                                  <p:stCondLst>
+                                    <p:cond delay="0"/>
+                                  </p:stCondLst>
+                                  <p:childTnLst>
+                                    <p:set>
+                                      <p:cBhvr>
+                                        <p:cTn id="46" dur="1" fill="hold">
+                                          <p:stCondLst>
+                                            <p:cond delay="0"/>
+                                          </p:stCondLst>
+                                        </p:cTn>
+                                        <p:tgtEl>
+                                          <p:spTgt spid="3">
+                                            <p:txEl>
+                                              <p:pRg st="8" end="8"/>
+                                            </p:txEl>
+                                          </p:spTgt>
+                                        </p:tgtEl>
+                                        <p:attrNameLst>
+                                          <p:attrName>style.visibility</p:attrName>
+                                        </p:attrNameLst>
+                                      </p:cBhvr>
+                                      <p:to>
+                                        <p:strVal val="visible"/>
+                                      </p:to>
+                                    </p:set>
+                                    <p:animEffect transition="in" filter="fade">
+                                      <p:cBhvr>
+                                        <p:cTn id="47" dur="500"/>
+                                        <p:tgtEl>
+                                          <p:spTgt spid="3">
+                                            <p:txEl>
+                                              <p:pRg st="8" end="8"/>
+                                            </p:txEl>
+                                          </p:spTgt>
+                                        </p:tgtEl>
+                                      </p:cBhvr>
+                                    </p:animEffect>
+                                  </p:childTnLst>
+                                </p:cTn>
+                              </p:par>
+                            </p:childTnLst>
+                          </p:cTn>
+                        </p:par>
+                      </p:childTnLst>
+                    </p:cTn>
+                  </p:par>
+                  <p:par>
+                    <p:cTn id="48" fill="hold">
+                      <p:stCondLst>
+                        <p:cond delay="indefinite"/>
+                      </p:stCondLst>
+                      <p:childTnLst>
+                        <p:par>
+                          <p:cTn id="49" fill="hold">
+                            <p:stCondLst>
+                              <p:cond delay="0"/>
+                            </p:stCondLst>
+                            <p:childTnLst>
+                              <p:par>
+                                <p:cTn id="50" presetID="10" presetClass="entr" presetSubtype="0" fill="hold" grpId="0" nodeType="clickEffect">
+                                  <p:stCondLst>
+                                    <p:cond delay="0"/>
+                                  </p:stCondLst>
+                                  <p:childTnLst>
+                                    <p:set>
+                                      <p:cBhvr>
+                                        <p:cTn id="51" dur="1" fill="hold">
+                                          <p:stCondLst>
+                                            <p:cond delay="0"/>
+                                          </p:stCondLst>
+                                        </p:cTn>
+                                        <p:tgtEl>
+                                          <p:spTgt spid="3">
+                                            <p:txEl>
+                                              <p:pRg st="9" end="9"/>
+                                            </p:txEl>
+                                          </p:spTgt>
+                                        </p:tgtEl>
+                                        <p:attrNameLst>
+                                          <p:attrName>style.visibility</p:attrName>
+                                        </p:attrNameLst>
+                                      </p:cBhvr>
+                                      <p:to>
+                                        <p:strVal val="visible"/>
+                                      </p:to>
+                                    </p:set>
+                                    <p:animEffect transition="in" filter="fade">
+                                      <p:cBhvr>
+                                        <p:cTn id="52" dur="500"/>
+                                        <p:tgtEl>
+                                          <p:spTgt spid="3">
+                                            <p:txEl>
+                                              <p:pRg st="9" end="9"/>
+                                            </p:txEl>
+                                          </p:spTgt>
+                                        </p:tgtEl>
+                                      </p:cBhvr>
+                                    </p:animEffect>
+                                  </p:childTnLst>
+                                </p:cTn>
+                              </p:par>
+                            </p:childTnLst>
+                          </p:cTn>
+                        </p:par>
+                      </p:childTnLst>
+                    </p:cTn>
+                  </p:par>
+                  <p:par>
+                    <p:cTn id="53" fill="hold">
+                      <p:stCondLst>
+                        <p:cond delay="indefinite"/>
+                      </p:stCondLst>
+                      <p:childTnLst>
+                        <p:par>
+                          <p:cTn id="54" fill="hold">
+                            <p:stCondLst>
+                              <p:cond delay="0"/>
+                            </p:stCondLst>
+                            <p:childTnLst>
+                              <p:par>
+                                <p:cTn id="55" presetID="10" presetClass="entr" presetSubtype="0" fill="hold" grpId="0" nodeType="clickEffect">
+                                  <p:stCondLst>
+                                    <p:cond delay="0"/>
+                                  </p:stCondLst>
+                                  <p:childTnLst>
+                                    <p:set>
+                                      <p:cBhvr>
+                                        <p:cTn id="56" dur="1" fill="hold">
+                                          <p:stCondLst>
+                                            <p:cond delay="0"/>
+                                          </p:stCondLst>
+                                        </p:cTn>
+                                        <p:tgtEl>
+                                          <p:spTgt spid="3">
+                                            <p:txEl>
+                                              <p:pRg st="10" end="10"/>
+                                            </p:txEl>
+                                          </p:spTgt>
+                                        </p:tgtEl>
+                                        <p:attrNameLst>
+                                          <p:attrName>style.visibility</p:attrName>
+                                        </p:attrNameLst>
+                                      </p:cBhvr>
+                                      <p:to>
+                                        <p:strVal val="visible"/>
+                                      </p:to>
+                                    </p:set>
+                                    <p:animEffect transition="in" filter="fade">
+                                      <p:cBhvr>
+                                        <p:cTn id="57" dur="500"/>
+                                        <p:tgtEl>
+                                          <p:spTgt spid="3">
+                                            <p:txEl>
+                                              <p:pRg st="10" end="10"/>
+                                            </p:txEl>
+                                          </p:spTgt>
+                                        </p:tgtEl>
+                                      </p:cBhvr>
+                                    </p:animEffect>
+                                  </p:childTnLst>
+                                </p:cTn>
+                              </p:par>
+                            </p:childTnLst>
+                          </p:cTn>
+                        </p:par>
+                      </p:childTnLst>
+                    </p:cTn>
+                  </p:par>
+                </p:childTnLst>
+              </p:cTn>
+              <p:prevCondLst>
+                <p:cond evt="onPrev" delay="0">
+                  <p:tgtEl>
+                    <p:sldTgt/>
+                  </p:tgtEl>
+                </p:cond>
+              </p:prevCondLst>
+              <p:nextCondLst>
+                <p:cond evt="onNext" delay="0">
+                  <p:tgtEl>
+                    <p:sldTgt/>
+                  </p:tgtEl>
+                </p:cond>
+              </p:nextCondLst>
+            </p:seq>
+          </p:childTnLst>
+        </p:cTn>
       </p:par>
     </p:tnLst>
+    <p:bldLst>
+      <p:bldP spid="3" grpId="0" build="p"/>
+    </p:bldLst>
   </p:timing>
 </p:sld>
 </file>
@@ -3876,9 +4573,1133 @@
   <p:timing>
     <p:tnLst>
       <p:par>
-        <p:cTn id="1" dur="indefinite" restart="never" nodeType="tmRoot"/>
+        <p:cTn id="1" dur="indefinite" restart="never" nodeType="tmRoot">
+          <p:childTnLst>
+            <p:seq concurrent="1" nextAc="seek">
+              <p:cTn id="2" dur="indefinite" nodeType="mainSeq">
+                <p:childTnLst>
+                  <p:par>
+                    <p:cTn id="3" fill="hold">
+                      <p:stCondLst>
+                        <p:cond delay="indefinite"/>
+                      </p:stCondLst>
+                      <p:childTnLst>
+                        <p:par>
+                          <p:cTn id="4" fill="hold">
+                            <p:stCondLst>
+                              <p:cond delay="0"/>
+                            </p:stCondLst>
+                            <p:childTnLst>
+                              <p:par>
+                                <p:cTn id="5" presetID="10" presetClass="entr" presetSubtype="0" fill="hold" grpId="0" nodeType="clickEffect">
+                                  <p:stCondLst>
+                                    <p:cond delay="0"/>
+                                  </p:stCondLst>
+                                  <p:childTnLst>
+                                    <p:set>
+                                      <p:cBhvr>
+                                        <p:cTn id="6" dur="1" fill="hold">
+                                          <p:stCondLst>
+                                            <p:cond delay="0"/>
+                                          </p:stCondLst>
+                                        </p:cTn>
+                                        <p:tgtEl>
+                                          <p:spTgt spid="3">
+                                            <p:txEl>
+                                              <p:pRg st="0" end="0"/>
+                                            </p:txEl>
+                                          </p:spTgt>
+                                        </p:tgtEl>
+                                        <p:attrNameLst>
+                                          <p:attrName>style.visibility</p:attrName>
+                                        </p:attrNameLst>
+                                      </p:cBhvr>
+                                      <p:to>
+                                        <p:strVal val="visible"/>
+                                      </p:to>
+                                    </p:set>
+                                    <p:animEffect transition="in" filter="fade">
+                                      <p:cBhvr>
+                                        <p:cTn id="7" dur="500"/>
+                                        <p:tgtEl>
+                                          <p:spTgt spid="3">
+                                            <p:txEl>
+                                              <p:pRg st="0" end="0"/>
+                                            </p:txEl>
+                                          </p:spTgt>
+                                        </p:tgtEl>
+                                      </p:cBhvr>
+                                    </p:animEffect>
+                                  </p:childTnLst>
+                                </p:cTn>
+                              </p:par>
+                            </p:childTnLst>
+                          </p:cTn>
+                        </p:par>
+                      </p:childTnLst>
+                    </p:cTn>
+                  </p:par>
+                  <p:par>
+                    <p:cTn id="8" fill="hold">
+                      <p:stCondLst>
+                        <p:cond delay="indefinite"/>
+                      </p:stCondLst>
+                      <p:childTnLst>
+                        <p:par>
+                          <p:cTn id="9" fill="hold">
+                            <p:stCondLst>
+                              <p:cond delay="0"/>
+                            </p:stCondLst>
+                            <p:childTnLst>
+                              <p:par>
+                                <p:cTn id="10" presetID="10" presetClass="entr" presetSubtype="0" fill="hold" grpId="0" nodeType="clickEffect">
+                                  <p:stCondLst>
+                                    <p:cond delay="0"/>
+                                  </p:stCondLst>
+                                  <p:childTnLst>
+                                    <p:set>
+                                      <p:cBhvr>
+                                        <p:cTn id="11" dur="1" fill="hold">
+                                          <p:stCondLst>
+                                            <p:cond delay="0"/>
+                                          </p:stCondLst>
+                                        </p:cTn>
+                                        <p:tgtEl>
+                                          <p:spTgt spid="3">
+                                            <p:txEl>
+                                              <p:pRg st="2" end="2"/>
+                                            </p:txEl>
+                                          </p:spTgt>
+                                        </p:tgtEl>
+                                        <p:attrNameLst>
+                                          <p:attrName>style.visibility</p:attrName>
+                                        </p:attrNameLst>
+                                      </p:cBhvr>
+                                      <p:to>
+                                        <p:strVal val="visible"/>
+                                      </p:to>
+                                    </p:set>
+                                    <p:animEffect transition="in" filter="fade">
+                                      <p:cBhvr>
+                                        <p:cTn id="12" dur="500"/>
+                                        <p:tgtEl>
+                                          <p:spTgt spid="3">
+                                            <p:txEl>
+                                              <p:pRg st="2" end="2"/>
+                                            </p:txEl>
+                                          </p:spTgt>
+                                        </p:tgtEl>
+                                      </p:cBhvr>
+                                    </p:animEffect>
+                                  </p:childTnLst>
+                                </p:cTn>
+                              </p:par>
+                            </p:childTnLst>
+                          </p:cTn>
+                        </p:par>
+                      </p:childTnLst>
+                    </p:cTn>
+                  </p:par>
+                  <p:par>
+                    <p:cTn id="13" fill="hold">
+                      <p:stCondLst>
+                        <p:cond delay="indefinite"/>
+                      </p:stCondLst>
+                      <p:childTnLst>
+                        <p:par>
+                          <p:cTn id="14" fill="hold">
+                            <p:stCondLst>
+                              <p:cond delay="0"/>
+                            </p:stCondLst>
+                            <p:childTnLst>
+                              <p:par>
+                                <p:cTn id="15" presetID="10" presetClass="entr" presetSubtype="0" fill="hold" grpId="0" nodeType="clickEffect">
+                                  <p:stCondLst>
+                                    <p:cond delay="0"/>
+                                  </p:stCondLst>
+                                  <p:childTnLst>
+                                    <p:set>
+                                      <p:cBhvr>
+                                        <p:cTn id="16" dur="1" fill="hold">
+                                          <p:stCondLst>
+                                            <p:cond delay="0"/>
+                                          </p:stCondLst>
+                                        </p:cTn>
+                                        <p:tgtEl>
+                                          <p:spTgt spid="3">
+                                            <p:txEl>
+                                              <p:pRg st="3" end="3"/>
+                                            </p:txEl>
+                                          </p:spTgt>
+                                        </p:tgtEl>
+                                        <p:attrNameLst>
+                                          <p:attrName>style.visibility</p:attrName>
+                                        </p:attrNameLst>
+                                      </p:cBhvr>
+                                      <p:to>
+                                        <p:strVal val="visible"/>
+                                      </p:to>
+                                    </p:set>
+                                    <p:animEffect transition="in" filter="fade">
+                                      <p:cBhvr>
+                                        <p:cTn id="17" dur="500"/>
+                                        <p:tgtEl>
+                                          <p:spTgt spid="3">
+                                            <p:txEl>
+                                              <p:pRg st="3" end="3"/>
+                                            </p:txEl>
+                                          </p:spTgt>
+                                        </p:tgtEl>
+                                      </p:cBhvr>
+                                    </p:animEffect>
+                                  </p:childTnLst>
+                                </p:cTn>
+                              </p:par>
+                            </p:childTnLst>
+                          </p:cTn>
+                        </p:par>
+                      </p:childTnLst>
+                    </p:cTn>
+                  </p:par>
+                  <p:par>
+                    <p:cTn id="18" fill="hold">
+                      <p:stCondLst>
+                        <p:cond delay="indefinite"/>
+                      </p:stCondLst>
+                      <p:childTnLst>
+                        <p:par>
+                          <p:cTn id="19" fill="hold">
+                            <p:stCondLst>
+                              <p:cond delay="0"/>
+                            </p:stCondLst>
+                            <p:childTnLst>
+                              <p:par>
+                                <p:cTn id="20" presetID="10" presetClass="entr" presetSubtype="0" fill="hold" grpId="0" nodeType="clickEffect">
+                                  <p:stCondLst>
+                                    <p:cond delay="0"/>
+                                  </p:stCondLst>
+                                  <p:childTnLst>
+                                    <p:set>
+                                      <p:cBhvr>
+                                        <p:cTn id="21" dur="1" fill="hold">
+                                          <p:stCondLst>
+                                            <p:cond delay="0"/>
+                                          </p:stCondLst>
+                                        </p:cTn>
+                                        <p:tgtEl>
+                                          <p:spTgt spid="3">
+                                            <p:txEl>
+                                              <p:pRg st="4" end="4"/>
+                                            </p:txEl>
+                                          </p:spTgt>
+                                        </p:tgtEl>
+                                        <p:attrNameLst>
+                                          <p:attrName>style.visibility</p:attrName>
+                                        </p:attrNameLst>
+                                      </p:cBhvr>
+                                      <p:to>
+                                        <p:strVal val="visible"/>
+                                      </p:to>
+                                    </p:set>
+                                    <p:animEffect transition="in" filter="fade">
+                                      <p:cBhvr>
+                                        <p:cTn id="22" dur="500"/>
+                                        <p:tgtEl>
+                                          <p:spTgt spid="3">
+                                            <p:txEl>
+                                              <p:pRg st="4" end="4"/>
+                                            </p:txEl>
+                                          </p:spTgt>
+                                        </p:tgtEl>
+                                      </p:cBhvr>
+                                    </p:animEffect>
+                                  </p:childTnLst>
+                                </p:cTn>
+                              </p:par>
+                            </p:childTnLst>
+                          </p:cTn>
+                        </p:par>
+                      </p:childTnLst>
+                    </p:cTn>
+                  </p:par>
+                  <p:par>
+                    <p:cTn id="23" fill="hold">
+                      <p:stCondLst>
+                        <p:cond delay="indefinite"/>
+                      </p:stCondLst>
+                      <p:childTnLst>
+                        <p:par>
+                          <p:cTn id="24" fill="hold">
+                            <p:stCondLst>
+                              <p:cond delay="0"/>
+                            </p:stCondLst>
+                            <p:childTnLst>
+                              <p:par>
+                                <p:cTn id="25" presetID="10" presetClass="entr" presetSubtype="0" fill="hold" grpId="0" nodeType="clickEffect">
+                                  <p:stCondLst>
+                                    <p:cond delay="0"/>
+                                  </p:stCondLst>
+                                  <p:childTnLst>
+                                    <p:set>
+                                      <p:cBhvr>
+                                        <p:cTn id="26" dur="1" fill="hold">
+                                          <p:stCondLst>
+                                            <p:cond delay="0"/>
+                                          </p:stCondLst>
+                                        </p:cTn>
+                                        <p:tgtEl>
+                                          <p:spTgt spid="3">
+                                            <p:txEl>
+                                              <p:pRg st="5" end="5"/>
+                                            </p:txEl>
+                                          </p:spTgt>
+                                        </p:tgtEl>
+                                        <p:attrNameLst>
+                                          <p:attrName>style.visibility</p:attrName>
+                                        </p:attrNameLst>
+                                      </p:cBhvr>
+                                      <p:to>
+                                        <p:strVal val="visible"/>
+                                      </p:to>
+                                    </p:set>
+                                    <p:animEffect transition="in" filter="fade">
+                                      <p:cBhvr>
+                                        <p:cTn id="27" dur="500"/>
+                                        <p:tgtEl>
+                                          <p:spTgt spid="3">
+                                            <p:txEl>
+                                              <p:pRg st="5" end="5"/>
+                                            </p:txEl>
+                                          </p:spTgt>
+                                        </p:tgtEl>
+                                      </p:cBhvr>
+                                    </p:animEffect>
+                                  </p:childTnLst>
+                                </p:cTn>
+                              </p:par>
+                            </p:childTnLst>
+                          </p:cTn>
+                        </p:par>
+                      </p:childTnLst>
+                    </p:cTn>
+                  </p:par>
+                  <p:par>
+                    <p:cTn id="28" fill="hold">
+                      <p:stCondLst>
+                        <p:cond delay="indefinite"/>
+                      </p:stCondLst>
+                      <p:childTnLst>
+                        <p:par>
+                          <p:cTn id="29" fill="hold">
+                            <p:stCondLst>
+                              <p:cond delay="0"/>
+                            </p:stCondLst>
+                            <p:childTnLst>
+                              <p:par>
+                                <p:cTn id="30" presetID="10" presetClass="entr" presetSubtype="0" fill="hold" grpId="0" nodeType="clickEffect">
+                                  <p:stCondLst>
+                                    <p:cond delay="0"/>
+                                  </p:stCondLst>
+                                  <p:childTnLst>
+                                    <p:set>
+                                      <p:cBhvr>
+                                        <p:cTn id="31" dur="1" fill="hold">
+                                          <p:stCondLst>
+                                            <p:cond delay="0"/>
+                                          </p:stCondLst>
+                                        </p:cTn>
+                                        <p:tgtEl>
+                                          <p:spTgt spid="3">
+                                            <p:txEl>
+                                              <p:pRg st="6" end="6"/>
+                                            </p:txEl>
+                                          </p:spTgt>
+                                        </p:tgtEl>
+                                        <p:attrNameLst>
+                                          <p:attrName>style.visibility</p:attrName>
+                                        </p:attrNameLst>
+                                      </p:cBhvr>
+                                      <p:to>
+                                        <p:strVal val="visible"/>
+                                      </p:to>
+                                    </p:set>
+                                    <p:animEffect transition="in" filter="fade">
+                                      <p:cBhvr>
+                                        <p:cTn id="32" dur="500"/>
+                                        <p:tgtEl>
+                                          <p:spTgt spid="3">
+                                            <p:txEl>
+                                              <p:pRg st="6" end="6"/>
+                                            </p:txEl>
+                                          </p:spTgt>
+                                        </p:tgtEl>
+                                      </p:cBhvr>
+                                    </p:animEffect>
+                                  </p:childTnLst>
+                                </p:cTn>
+                              </p:par>
+                            </p:childTnLst>
+                          </p:cTn>
+                        </p:par>
+                      </p:childTnLst>
+                    </p:cTn>
+                  </p:par>
+                  <p:par>
+                    <p:cTn id="33" fill="hold">
+                      <p:stCondLst>
+                        <p:cond delay="indefinite"/>
+                      </p:stCondLst>
+                      <p:childTnLst>
+                        <p:par>
+                          <p:cTn id="34" fill="hold">
+                            <p:stCondLst>
+                              <p:cond delay="0"/>
+                            </p:stCondLst>
+                            <p:childTnLst>
+                              <p:par>
+                                <p:cTn id="35" presetID="10" presetClass="entr" presetSubtype="0" fill="hold" grpId="0" nodeType="clickEffect">
+                                  <p:stCondLst>
+                                    <p:cond delay="0"/>
+                                  </p:stCondLst>
+                                  <p:childTnLst>
+                                    <p:set>
+                                      <p:cBhvr>
+                                        <p:cTn id="36" dur="1" fill="hold">
+                                          <p:stCondLst>
+                                            <p:cond delay="0"/>
+                                          </p:stCondLst>
+                                        </p:cTn>
+                                        <p:tgtEl>
+                                          <p:spTgt spid="3">
+                                            <p:txEl>
+                                              <p:pRg st="7" end="7"/>
+                                            </p:txEl>
+                                          </p:spTgt>
+                                        </p:tgtEl>
+                                        <p:attrNameLst>
+                                          <p:attrName>style.visibility</p:attrName>
+                                        </p:attrNameLst>
+                                      </p:cBhvr>
+                                      <p:to>
+                                        <p:strVal val="visible"/>
+                                      </p:to>
+                                    </p:set>
+                                    <p:animEffect transition="in" filter="fade">
+                                      <p:cBhvr>
+                                        <p:cTn id="37" dur="500"/>
+                                        <p:tgtEl>
+                                          <p:spTgt spid="3">
+                                            <p:txEl>
+                                              <p:pRg st="7" end="7"/>
+                                            </p:txEl>
+                                          </p:spTgt>
+                                        </p:tgtEl>
+                                      </p:cBhvr>
+                                    </p:animEffect>
+                                  </p:childTnLst>
+                                </p:cTn>
+                              </p:par>
+                            </p:childTnLst>
+                          </p:cTn>
+                        </p:par>
+                      </p:childTnLst>
+                    </p:cTn>
+                  </p:par>
+                  <p:par>
+                    <p:cTn id="38" fill="hold">
+                      <p:stCondLst>
+                        <p:cond delay="indefinite"/>
+                      </p:stCondLst>
+                      <p:childTnLst>
+                        <p:par>
+                          <p:cTn id="39" fill="hold">
+                            <p:stCondLst>
+                              <p:cond delay="0"/>
+                            </p:stCondLst>
+                            <p:childTnLst>
+                              <p:par>
+                                <p:cTn id="40" presetID="10" presetClass="entr" presetSubtype="0" fill="hold" grpId="0" nodeType="clickEffect">
+                                  <p:stCondLst>
+                                    <p:cond delay="0"/>
+                                  </p:stCondLst>
+                                  <p:childTnLst>
+                                    <p:set>
+                                      <p:cBhvr>
+                                        <p:cTn id="41" dur="1" fill="hold">
+                                          <p:stCondLst>
+                                            <p:cond delay="0"/>
+                                          </p:stCondLst>
+                                        </p:cTn>
+                                        <p:tgtEl>
+                                          <p:spTgt spid="3">
+                                            <p:txEl>
+                                              <p:pRg st="8" end="8"/>
+                                            </p:txEl>
+                                          </p:spTgt>
+                                        </p:tgtEl>
+                                        <p:attrNameLst>
+                                          <p:attrName>style.visibility</p:attrName>
+                                        </p:attrNameLst>
+                                      </p:cBhvr>
+                                      <p:to>
+                                        <p:strVal val="visible"/>
+                                      </p:to>
+                                    </p:set>
+                                    <p:animEffect transition="in" filter="fade">
+                                      <p:cBhvr>
+                                        <p:cTn id="42" dur="500"/>
+                                        <p:tgtEl>
+                                          <p:spTgt spid="3">
+                                            <p:txEl>
+                                              <p:pRg st="8" end="8"/>
+                                            </p:txEl>
+                                          </p:spTgt>
+                                        </p:tgtEl>
+                                      </p:cBhvr>
+                                    </p:animEffect>
+                                  </p:childTnLst>
+                                </p:cTn>
+                              </p:par>
+                            </p:childTnLst>
+                          </p:cTn>
+                        </p:par>
+                      </p:childTnLst>
+                    </p:cTn>
+                  </p:par>
+                  <p:par>
+                    <p:cTn id="43" fill="hold">
+                      <p:stCondLst>
+                        <p:cond delay="indefinite"/>
+                      </p:stCondLst>
+                      <p:childTnLst>
+                        <p:par>
+                          <p:cTn id="44" fill="hold">
+                            <p:stCondLst>
+                              <p:cond delay="0"/>
+                            </p:stCondLst>
+                            <p:childTnLst>
+                              <p:par>
+                                <p:cTn id="45" presetID="10" presetClass="entr" presetSubtype="0" fill="hold" grpId="0" nodeType="clickEffect">
+                                  <p:stCondLst>
+                                    <p:cond delay="0"/>
+                                  </p:stCondLst>
+                                  <p:childTnLst>
+                                    <p:set>
+                                      <p:cBhvr>
+                                        <p:cTn id="46" dur="1" fill="hold">
+                                          <p:stCondLst>
+                                            <p:cond delay="0"/>
+                                          </p:stCondLst>
+                                        </p:cTn>
+                                        <p:tgtEl>
+                                          <p:spTgt spid="3">
+                                            <p:txEl>
+                                              <p:pRg st="9" end="9"/>
+                                            </p:txEl>
+                                          </p:spTgt>
+                                        </p:tgtEl>
+                                        <p:attrNameLst>
+                                          <p:attrName>style.visibility</p:attrName>
+                                        </p:attrNameLst>
+                                      </p:cBhvr>
+                                      <p:to>
+                                        <p:strVal val="visible"/>
+                                      </p:to>
+                                    </p:set>
+                                    <p:animEffect transition="in" filter="fade">
+                                      <p:cBhvr>
+                                        <p:cTn id="47" dur="500"/>
+                                        <p:tgtEl>
+                                          <p:spTgt spid="3">
+                                            <p:txEl>
+                                              <p:pRg st="9" end="9"/>
+                                            </p:txEl>
+                                          </p:spTgt>
+                                        </p:tgtEl>
+                                      </p:cBhvr>
+                                    </p:animEffect>
+                                  </p:childTnLst>
+                                </p:cTn>
+                              </p:par>
+                            </p:childTnLst>
+                          </p:cTn>
+                        </p:par>
+                      </p:childTnLst>
+                    </p:cTn>
+                  </p:par>
+                  <p:par>
+                    <p:cTn id="48" fill="hold">
+                      <p:stCondLst>
+                        <p:cond delay="indefinite"/>
+                      </p:stCondLst>
+                      <p:childTnLst>
+                        <p:par>
+                          <p:cTn id="49" fill="hold">
+                            <p:stCondLst>
+                              <p:cond delay="0"/>
+                            </p:stCondLst>
+                            <p:childTnLst>
+                              <p:par>
+                                <p:cTn id="50" presetID="10" presetClass="entr" presetSubtype="0" fill="hold" grpId="0" nodeType="clickEffect">
+                                  <p:stCondLst>
+                                    <p:cond delay="0"/>
+                                  </p:stCondLst>
+                                  <p:childTnLst>
+                                    <p:set>
+                                      <p:cBhvr>
+                                        <p:cTn id="51" dur="1" fill="hold">
+                                          <p:stCondLst>
+                                            <p:cond delay="0"/>
+                                          </p:stCondLst>
+                                        </p:cTn>
+                                        <p:tgtEl>
+                                          <p:spTgt spid="3">
+                                            <p:txEl>
+                                              <p:pRg st="10" end="10"/>
+                                            </p:txEl>
+                                          </p:spTgt>
+                                        </p:tgtEl>
+                                        <p:attrNameLst>
+                                          <p:attrName>style.visibility</p:attrName>
+                                        </p:attrNameLst>
+                                      </p:cBhvr>
+                                      <p:to>
+                                        <p:strVal val="visible"/>
+                                      </p:to>
+                                    </p:set>
+                                    <p:animEffect transition="in" filter="fade">
+                                      <p:cBhvr>
+                                        <p:cTn id="52" dur="500"/>
+                                        <p:tgtEl>
+                                          <p:spTgt spid="3">
+                                            <p:txEl>
+                                              <p:pRg st="10" end="10"/>
+                                            </p:txEl>
+                                          </p:spTgt>
+                                        </p:tgtEl>
+                                      </p:cBhvr>
+                                    </p:animEffect>
+                                  </p:childTnLst>
+                                </p:cTn>
+                              </p:par>
+                            </p:childTnLst>
+                          </p:cTn>
+                        </p:par>
+                      </p:childTnLst>
+                    </p:cTn>
+                  </p:par>
+                  <p:par>
+                    <p:cTn id="53" fill="hold">
+                      <p:stCondLst>
+                        <p:cond delay="indefinite"/>
+                      </p:stCondLst>
+                      <p:childTnLst>
+                        <p:par>
+                          <p:cTn id="54" fill="hold">
+                            <p:stCondLst>
+                              <p:cond delay="0"/>
+                            </p:stCondLst>
+                            <p:childTnLst>
+                              <p:par>
+                                <p:cTn id="55" presetID="10" presetClass="entr" presetSubtype="0" fill="hold" grpId="0" nodeType="clickEffect">
+                                  <p:stCondLst>
+                                    <p:cond delay="0"/>
+                                  </p:stCondLst>
+                                  <p:childTnLst>
+                                    <p:set>
+                                      <p:cBhvr>
+                                        <p:cTn id="56" dur="1" fill="hold">
+                                          <p:stCondLst>
+                                            <p:cond delay="0"/>
+                                          </p:stCondLst>
+                                        </p:cTn>
+                                        <p:tgtEl>
+                                          <p:spTgt spid="3">
+                                            <p:txEl>
+                                              <p:pRg st="11" end="11"/>
+                                            </p:txEl>
+                                          </p:spTgt>
+                                        </p:tgtEl>
+                                        <p:attrNameLst>
+                                          <p:attrName>style.visibility</p:attrName>
+                                        </p:attrNameLst>
+                                      </p:cBhvr>
+                                      <p:to>
+                                        <p:strVal val="visible"/>
+                                      </p:to>
+                                    </p:set>
+                                    <p:animEffect transition="in" filter="fade">
+                                      <p:cBhvr>
+                                        <p:cTn id="57" dur="500"/>
+                                        <p:tgtEl>
+                                          <p:spTgt spid="3">
+                                            <p:txEl>
+                                              <p:pRg st="11" end="11"/>
+                                            </p:txEl>
+                                          </p:spTgt>
+                                        </p:tgtEl>
+                                      </p:cBhvr>
+                                    </p:animEffect>
+                                  </p:childTnLst>
+                                </p:cTn>
+                              </p:par>
+                            </p:childTnLst>
+                          </p:cTn>
+                        </p:par>
+                      </p:childTnLst>
+                    </p:cTn>
+                  </p:par>
+                  <p:par>
+                    <p:cTn id="58" fill="hold">
+                      <p:stCondLst>
+                        <p:cond delay="indefinite"/>
+                      </p:stCondLst>
+                      <p:childTnLst>
+                        <p:par>
+                          <p:cTn id="59" fill="hold">
+                            <p:stCondLst>
+                              <p:cond delay="0"/>
+                            </p:stCondLst>
+                            <p:childTnLst>
+                              <p:par>
+                                <p:cTn id="60" presetID="10" presetClass="entr" presetSubtype="0" fill="hold" grpId="0" nodeType="clickEffect">
+                                  <p:stCondLst>
+                                    <p:cond delay="0"/>
+                                  </p:stCondLst>
+                                  <p:childTnLst>
+                                    <p:set>
+                                      <p:cBhvr>
+                                        <p:cTn id="61" dur="1" fill="hold">
+                                          <p:stCondLst>
+                                            <p:cond delay="0"/>
+                                          </p:stCondLst>
+                                        </p:cTn>
+                                        <p:tgtEl>
+                                          <p:spTgt spid="3">
+                                            <p:txEl>
+                                              <p:pRg st="12" end="12"/>
+                                            </p:txEl>
+                                          </p:spTgt>
+                                        </p:tgtEl>
+                                        <p:attrNameLst>
+                                          <p:attrName>style.visibility</p:attrName>
+                                        </p:attrNameLst>
+                                      </p:cBhvr>
+                                      <p:to>
+                                        <p:strVal val="visible"/>
+                                      </p:to>
+                                    </p:set>
+                                    <p:animEffect transition="in" filter="fade">
+                                      <p:cBhvr>
+                                        <p:cTn id="62" dur="500"/>
+                                        <p:tgtEl>
+                                          <p:spTgt spid="3">
+                                            <p:txEl>
+                                              <p:pRg st="12" end="12"/>
+                                            </p:txEl>
+                                          </p:spTgt>
+                                        </p:tgtEl>
+                                      </p:cBhvr>
+                                    </p:animEffect>
+                                  </p:childTnLst>
+                                </p:cTn>
+                              </p:par>
+                            </p:childTnLst>
+                          </p:cTn>
+                        </p:par>
+                      </p:childTnLst>
+                    </p:cTn>
+                  </p:par>
+                  <p:par>
+                    <p:cTn id="63" fill="hold">
+                      <p:stCondLst>
+                        <p:cond delay="indefinite"/>
+                      </p:stCondLst>
+                      <p:childTnLst>
+                        <p:par>
+                          <p:cTn id="64" fill="hold">
+                            <p:stCondLst>
+                              <p:cond delay="0"/>
+                            </p:stCondLst>
+                            <p:childTnLst>
+                              <p:par>
+                                <p:cTn id="65" presetID="10" presetClass="entr" presetSubtype="0" fill="hold" grpId="0" nodeType="clickEffect">
+                                  <p:stCondLst>
+                                    <p:cond delay="0"/>
+                                  </p:stCondLst>
+                                  <p:childTnLst>
+                                    <p:set>
+                                      <p:cBhvr>
+                                        <p:cTn id="66" dur="1" fill="hold">
+                                          <p:stCondLst>
+                                            <p:cond delay="0"/>
+                                          </p:stCondLst>
+                                        </p:cTn>
+                                        <p:tgtEl>
+                                          <p:spTgt spid="3">
+                                            <p:txEl>
+                                              <p:pRg st="14" end="14"/>
+                                            </p:txEl>
+                                          </p:spTgt>
+                                        </p:tgtEl>
+                                        <p:attrNameLst>
+                                          <p:attrName>style.visibility</p:attrName>
+                                        </p:attrNameLst>
+                                      </p:cBhvr>
+                                      <p:to>
+                                        <p:strVal val="visible"/>
+                                      </p:to>
+                                    </p:set>
+                                    <p:animEffect transition="in" filter="fade">
+                                      <p:cBhvr>
+                                        <p:cTn id="67" dur="500"/>
+                                        <p:tgtEl>
+                                          <p:spTgt spid="3">
+                                            <p:txEl>
+                                              <p:pRg st="14" end="14"/>
+                                            </p:txEl>
+                                          </p:spTgt>
+                                        </p:tgtEl>
+                                      </p:cBhvr>
+                                    </p:animEffect>
+                                  </p:childTnLst>
+                                </p:cTn>
+                              </p:par>
+                            </p:childTnLst>
+                          </p:cTn>
+                        </p:par>
+                      </p:childTnLst>
+                    </p:cTn>
+                  </p:par>
+                  <p:par>
+                    <p:cTn id="68" fill="hold">
+                      <p:stCondLst>
+                        <p:cond delay="indefinite"/>
+                      </p:stCondLst>
+                      <p:childTnLst>
+                        <p:par>
+                          <p:cTn id="69" fill="hold">
+                            <p:stCondLst>
+                              <p:cond delay="0"/>
+                            </p:stCondLst>
+                            <p:childTnLst>
+                              <p:par>
+                                <p:cTn id="70" presetID="10" presetClass="entr" presetSubtype="0" fill="hold" grpId="0" nodeType="clickEffect">
+                                  <p:stCondLst>
+                                    <p:cond delay="0"/>
+                                  </p:stCondLst>
+                                  <p:childTnLst>
+                                    <p:set>
+                                      <p:cBhvr>
+                                        <p:cTn id="71" dur="1" fill="hold">
+                                          <p:stCondLst>
+                                            <p:cond delay="0"/>
+                                          </p:stCondLst>
+                                        </p:cTn>
+                                        <p:tgtEl>
+                                          <p:spTgt spid="3">
+                                            <p:txEl>
+                                              <p:pRg st="15" end="15"/>
+                                            </p:txEl>
+                                          </p:spTgt>
+                                        </p:tgtEl>
+                                        <p:attrNameLst>
+                                          <p:attrName>style.visibility</p:attrName>
+                                        </p:attrNameLst>
+                                      </p:cBhvr>
+                                      <p:to>
+                                        <p:strVal val="visible"/>
+                                      </p:to>
+                                    </p:set>
+                                    <p:animEffect transition="in" filter="fade">
+                                      <p:cBhvr>
+                                        <p:cTn id="72" dur="500"/>
+                                        <p:tgtEl>
+                                          <p:spTgt spid="3">
+                                            <p:txEl>
+                                              <p:pRg st="15" end="15"/>
+                                            </p:txEl>
+                                          </p:spTgt>
+                                        </p:tgtEl>
+                                      </p:cBhvr>
+                                    </p:animEffect>
+                                  </p:childTnLst>
+                                </p:cTn>
+                              </p:par>
+                            </p:childTnLst>
+                          </p:cTn>
+                        </p:par>
+                      </p:childTnLst>
+                    </p:cTn>
+                  </p:par>
+                  <p:par>
+                    <p:cTn id="73" fill="hold">
+                      <p:stCondLst>
+                        <p:cond delay="indefinite"/>
+                      </p:stCondLst>
+                      <p:childTnLst>
+                        <p:par>
+                          <p:cTn id="74" fill="hold">
+                            <p:stCondLst>
+                              <p:cond delay="0"/>
+                            </p:stCondLst>
+                            <p:childTnLst>
+                              <p:par>
+                                <p:cTn id="75" presetID="10" presetClass="entr" presetSubtype="0" fill="hold" grpId="0" nodeType="clickEffect">
+                                  <p:stCondLst>
+                                    <p:cond delay="0"/>
+                                  </p:stCondLst>
+                                  <p:childTnLst>
+                                    <p:set>
+                                      <p:cBhvr>
+                                        <p:cTn id="76" dur="1" fill="hold">
+                                          <p:stCondLst>
+                                            <p:cond delay="0"/>
+                                          </p:stCondLst>
+                                        </p:cTn>
+                                        <p:tgtEl>
+                                          <p:spTgt spid="3">
+                                            <p:txEl>
+                                              <p:pRg st="16" end="16"/>
+                                            </p:txEl>
+                                          </p:spTgt>
+                                        </p:tgtEl>
+                                        <p:attrNameLst>
+                                          <p:attrName>style.visibility</p:attrName>
+                                        </p:attrNameLst>
+                                      </p:cBhvr>
+                                      <p:to>
+                                        <p:strVal val="visible"/>
+                                      </p:to>
+                                    </p:set>
+                                    <p:animEffect transition="in" filter="fade">
+                                      <p:cBhvr>
+                                        <p:cTn id="77" dur="500"/>
+                                        <p:tgtEl>
+                                          <p:spTgt spid="3">
+                                            <p:txEl>
+                                              <p:pRg st="16" end="16"/>
+                                            </p:txEl>
+                                          </p:spTgt>
+                                        </p:tgtEl>
+                                      </p:cBhvr>
+                                    </p:animEffect>
+                                  </p:childTnLst>
+                                </p:cTn>
+                              </p:par>
+                            </p:childTnLst>
+                          </p:cTn>
+                        </p:par>
+                      </p:childTnLst>
+                    </p:cTn>
+                  </p:par>
+                  <p:par>
+                    <p:cTn id="78" fill="hold">
+                      <p:stCondLst>
+                        <p:cond delay="indefinite"/>
+                      </p:stCondLst>
+                      <p:childTnLst>
+                        <p:par>
+                          <p:cTn id="79" fill="hold">
+                            <p:stCondLst>
+                              <p:cond delay="0"/>
+                            </p:stCondLst>
+                            <p:childTnLst>
+                              <p:par>
+                                <p:cTn id="80" presetID="10" presetClass="entr" presetSubtype="0" fill="hold" grpId="0" nodeType="clickEffect">
+                                  <p:stCondLst>
+                                    <p:cond delay="0"/>
+                                  </p:stCondLst>
+                                  <p:childTnLst>
+                                    <p:set>
+                                      <p:cBhvr>
+                                        <p:cTn id="81" dur="1" fill="hold">
+                                          <p:stCondLst>
+                                            <p:cond delay="0"/>
+                                          </p:stCondLst>
+                                        </p:cTn>
+                                        <p:tgtEl>
+                                          <p:spTgt spid="3">
+                                            <p:txEl>
+                                              <p:pRg st="17" end="17"/>
+                                            </p:txEl>
+                                          </p:spTgt>
+                                        </p:tgtEl>
+                                        <p:attrNameLst>
+                                          <p:attrName>style.visibility</p:attrName>
+                                        </p:attrNameLst>
+                                      </p:cBhvr>
+                                      <p:to>
+                                        <p:strVal val="visible"/>
+                                      </p:to>
+                                    </p:set>
+                                    <p:animEffect transition="in" filter="fade">
+                                      <p:cBhvr>
+                                        <p:cTn id="82" dur="500"/>
+                                        <p:tgtEl>
+                                          <p:spTgt spid="3">
+                                            <p:txEl>
+                                              <p:pRg st="17" end="17"/>
+                                            </p:txEl>
+                                          </p:spTgt>
+                                        </p:tgtEl>
+                                      </p:cBhvr>
+                                    </p:animEffect>
+                                  </p:childTnLst>
+                                </p:cTn>
+                              </p:par>
+                            </p:childTnLst>
+                          </p:cTn>
+                        </p:par>
+                      </p:childTnLst>
+                    </p:cTn>
+                  </p:par>
+                  <p:par>
+                    <p:cTn id="83" fill="hold">
+                      <p:stCondLst>
+                        <p:cond delay="indefinite"/>
+                      </p:stCondLst>
+                      <p:childTnLst>
+                        <p:par>
+                          <p:cTn id="84" fill="hold">
+                            <p:stCondLst>
+                              <p:cond delay="0"/>
+                            </p:stCondLst>
+                            <p:childTnLst>
+                              <p:par>
+                                <p:cTn id="85" presetID="10" presetClass="entr" presetSubtype="0" fill="hold" grpId="0" nodeType="clickEffect">
+                                  <p:stCondLst>
+                                    <p:cond delay="0"/>
+                                  </p:stCondLst>
+                                  <p:childTnLst>
+                                    <p:set>
+                                      <p:cBhvr>
+                                        <p:cTn id="86" dur="1" fill="hold">
+                                          <p:stCondLst>
+                                            <p:cond delay="0"/>
+                                          </p:stCondLst>
+                                        </p:cTn>
+                                        <p:tgtEl>
+                                          <p:spTgt spid="3">
+                                            <p:txEl>
+                                              <p:pRg st="18" end="18"/>
+                                            </p:txEl>
+                                          </p:spTgt>
+                                        </p:tgtEl>
+                                        <p:attrNameLst>
+                                          <p:attrName>style.visibility</p:attrName>
+                                        </p:attrNameLst>
+                                      </p:cBhvr>
+                                      <p:to>
+                                        <p:strVal val="visible"/>
+                                      </p:to>
+                                    </p:set>
+                                    <p:animEffect transition="in" filter="fade">
+                                      <p:cBhvr>
+                                        <p:cTn id="87" dur="500"/>
+                                        <p:tgtEl>
+                                          <p:spTgt spid="3">
+                                            <p:txEl>
+                                              <p:pRg st="18" end="18"/>
+                                            </p:txEl>
+                                          </p:spTgt>
+                                        </p:tgtEl>
+                                      </p:cBhvr>
+                                    </p:animEffect>
+                                  </p:childTnLst>
+                                </p:cTn>
+                              </p:par>
+                            </p:childTnLst>
+                          </p:cTn>
+                        </p:par>
+                      </p:childTnLst>
+                    </p:cTn>
+                  </p:par>
+                  <p:par>
+                    <p:cTn id="88" fill="hold">
+                      <p:stCondLst>
+                        <p:cond delay="indefinite"/>
+                      </p:stCondLst>
+                      <p:childTnLst>
+                        <p:par>
+                          <p:cTn id="89" fill="hold">
+                            <p:stCondLst>
+                              <p:cond delay="0"/>
+                            </p:stCondLst>
+                            <p:childTnLst>
+                              <p:par>
+                                <p:cTn id="90" presetID="10" presetClass="entr" presetSubtype="0" fill="hold" grpId="0" nodeType="clickEffect">
+                                  <p:stCondLst>
+                                    <p:cond delay="0"/>
+                                  </p:stCondLst>
+                                  <p:childTnLst>
+                                    <p:set>
+                                      <p:cBhvr>
+                                        <p:cTn id="91" dur="1" fill="hold">
+                                          <p:stCondLst>
+                                            <p:cond delay="0"/>
+                                          </p:stCondLst>
+                                        </p:cTn>
+                                        <p:tgtEl>
+                                          <p:spTgt spid="3">
+                                            <p:txEl>
+                                              <p:pRg st="19" end="19"/>
+                                            </p:txEl>
+                                          </p:spTgt>
+                                        </p:tgtEl>
+                                        <p:attrNameLst>
+                                          <p:attrName>style.visibility</p:attrName>
+                                        </p:attrNameLst>
+                                      </p:cBhvr>
+                                      <p:to>
+                                        <p:strVal val="visible"/>
+                                      </p:to>
+                                    </p:set>
+                                    <p:animEffect transition="in" filter="fade">
+                                      <p:cBhvr>
+                                        <p:cTn id="92" dur="500"/>
+                                        <p:tgtEl>
+                                          <p:spTgt spid="3">
+                                            <p:txEl>
+                                              <p:pRg st="19" end="19"/>
+                                            </p:txEl>
+                                          </p:spTgt>
+                                        </p:tgtEl>
+                                      </p:cBhvr>
+                                    </p:animEffect>
+                                  </p:childTnLst>
+                                </p:cTn>
+                              </p:par>
+                            </p:childTnLst>
+                          </p:cTn>
+                        </p:par>
+                      </p:childTnLst>
+                    </p:cTn>
+                  </p:par>
+                </p:childTnLst>
+              </p:cTn>
+              <p:prevCondLst>
+                <p:cond evt="onPrev" delay="0">
+                  <p:tgtEl>
+                    <p:sldTgt/>
+                  </p:tgtEl>
+                </p:cond>
+              </p:prevCondLst>
+              <p:nextCondLst>
+                <p:cond evt="onNext" delay="0">
+                  <p:tgtEl>
+                    <p:sldTgt/>
+                  </p:tgtEl>
+                </p:cond>
+              </p:nextCondLst>
+            </p:seq>
+          </p:childTnLst>
+        </p:cTn>
       </p:par>
     </p:tnLst>
+    <p:bldLst>
+      <p:bldP spid="3" grpId="0" build="p"/>
+    </p:bldLst>
   </p:timing>
 </p:sld>
 </file>
@@ -4067,9 +5888,10 @@
           <a:p>
             <a:pPr lvl="1"/>
             <a:r>
-              <a:rPr lang="en-US" dirty="0" smtClean="0"/>
-              <a:t>Puppet forge</a:t>
-            </a:r>
+              <a:rPr lang="en-US" dirty="0"/>
+              <a:t>docs.puppet.com</a:t>
+            </a:r>
+            <a:endParaRPr lang="en-US" dirty="0" smtClean="0"/>
           </a:p>
           <a:p>
             <a:r>
@@ -4124,7 +5946,520 @@
   <p:timing>
     <p:tnLst>
       <p:par>
-        <p:cTn id="1" dur="indefinite" restart="never" nodeType="tmRoot"/>
+        <p:cTn id="1" dur="indefinite" restart="never" nodeType="tmRoot">
+          <p:childTnLst>
+            <p:seq concurrent="1" nextAc="seek">
+              <p:cTn id="2" dur="indefinite" nodeType="mainSeq">
+                <p:childTnLst>
+                  <p:par>
+                    <p:cTn id="3" fill="hold">
+                      <p:stCondLst>
+                        <p:cond delay="indefinite"/>
+                      </p:stCondLst>
+                      <p:childTnLst>
+                        <p:par>
+                          <p:cTn id="4" fill="hold">
+                            <p:stCondLst>
+                              <p:cond delay="0"/>
+                            </p:stCondLst>
+                            <p:childTnLst>
+                              <p:par>
+                                <p:cTn id="5" presetID="1" presetClass="entr" presetSubtype="0" fill="hold" nodeType="clickEffect">
+                                  <p:stCondLst>
+                                    <p:cond delay="0"/>
+                                  </p:stCondLst>
+                                  <p:childTnLst>
+                                    <p:set>
+                                      <p:cBhvr>
+                                        <p:cTn id="6" dur="1" fill="hold">
+                                          <p:stCondLst>
+                                            <p:cond delay="0"/>
+                                          </p:stCondLst>
+                                        </p:cTn>
+                                        <p:tgtEl>
+                                          <p:spTgt spid="3">
+                                            <p:txEl>
+                                              <p:pRg st="0" end="0"/>
+                                            </p:txEl>
+                                          </p:spTgt>
+                                        </p:tgtEl>
+                                        <p:attrNameLst>
+                                          <p:attrName>style.visibility</p:attrName>
+                                        </p:attrNameLst>
+                                      </p:cBhvr>
+                                      <p:to>
+                                        <p:strVal val="visible"/>
+                                      </p:to>
+                                    </p:set>
+                                  </p:childTnLst>
+                                </p:cTn>
+                              </p:par>
+                            </p:childTnLst>
+                          </p:cTn>
+                        </p:par>
+                      </p:childTnLst>
+                    </p:cTn>
+                  </p:par>
+                  <p:par>
+                    <p:cTn id="7" fill="hold">
+                      <p:stCondLst>
+                        <p:cond delay="indefinite"/>
+                      </p:stCondLst>
+                      <p:childTnLst>
+                        <p:par>
+                          <p:cTn id="8" fill="hold">
+                            <p:stCondLst>
+                              <p:cond delay="0"/>
+                            </p:stCondLst>
+                            <p:childTnLst>
+                              <p:par>
+                                <p:cTn id="9" presetID="1" presetClass="entr" presetSubtype="0" fill="hold" nodeType="clickEffect">
+                                  <p:stCondLst>
+                                    <p:cond delay="0"/>
+                                  </p:stCondLst>
+                                  <p:childTnLst>
+                                    <p:set>
+                                      <p:cBhvr>
+                                        <p:cTn id="10" dur="1" fill="hold">
+                                          <p:stCondLst>
+                                            <p:cond delay="0"/>
+                                          </p:stCondLst>
+                                        </p:cTn>
+                                        <p:tgtEl>
+                                          <p:spTgt spid="3">
+                                            <p:txEl>
+                                              <p:pRg st="1" end="1"/>
+                                            </p:txEl>
+                                          </p:spTgt>
+                                        </p:tgtEl>
+                                        <p:attrNameLst>
+                                          <p:attrName>style.visibility</p:attrName>
+                                        </p:attrNameLst>
+                                      </p:cBhvr>
+                                      <p:to>
+                                        <p:strVal val="visible"/>
+                                      </p:to>
+                                    </p:set>
+                                  </p:childTnLst>
+                                </p:cTn>
+                              </p:par>
+                            </p:childTnLst>
+                          </p:cTn>
+                        </p:par>
+                      </p:childTnLst>
+                    </p:cTn>
+                  </p:par>
+                  <p:par>
+                    <p:cTn id="11" fill="hold">
+                      <p:stCondLst>
+                        <p:cond delay="indefinite"/>
+                      </p:stCondLst>
+                      <p:childTnLst>
+                        <p:par>
+                          <p:cTn id="12" fill="hold">
+                            <p:stCondLst>
+                              <p:cond delay="0"/>
+                            </p:stCondLst>
+                            <p:childTnLst>
+                              <p:par>
+                                <p:cTn id="13" presetID="1" presetClass="entr" presetSubtype="0" fill="hold" nodeType="clickEffect">
+                                  <p:stCondLst>
+                                    <p:cond delay="0"/>
+                                  </p:stCondLst>
+                                  <p:childTnLst>
+                                    <p:set>
+                                      <p:cBhvr>
+                                        <p:cTn id="14" dur="1" fill="hold">
+                                          <p:stCondLst>
+                                            <p:cond delay="0"/>
+                                          </p:stCondLst>
+                                        </p:cTn>
+                                        <p:tgtEl>
+                                          <p:spTgt spid="3">
+                                            <p:txEl>
+                                              <p:pRg st="2" end="2"/>
+                                            </p:txEl>
+                                          </p:spTgt>
+                                        </p:tgtEl>
+                                        <p:attrNameLst>
+                                          <p:attrName>style.visibility</p:attrName>
+                                        </p:attrNameLst>
+                                      </p:cBhvr>
+                                      <p:to>
+                                        <p:strVal val="visible"/>
+                                      </p:to>
+                                    </p:set>
+                                  </p:childTnLst>
+                                </p:cTn>
+                              </p:par>
+                            </p:childTnLst>
+                          </p:cTn>
+                        </p:par>
+                      </p:childTnLst>
+                    </p:cTn>
+                  </p:par>
+                  <p:par>
+                    <p:cTn id="15" fill="hold">
+                      <p:stCondLst>
+                        <p:cond delay="indefinite"/>
+                      </p:stCondLst>
+                      <p:childTnLst>
+                        <p:par>
+                          <p:cTn id="16" fill="hold">
+                            <p:stCondLst>
+                              <p:cond delay="0"/>
+                            </p:stCondLst>
+                            <p:childTnLst>
+                              <p:par>
+                                <p:cTn id="17" presetID="1" presetClass="entr" presetSubtype="0" fill="hold" nodeType="clickEffect">
+                                  <p:stCondLst>
+                                    <p:cond delay="0"/>
+                                  </p:stCondLst>
+                                  <p:childTnLst>
+                                    <p:set>
+                                      <p:cBhvr>
+                                        <p:cTn id="18" dur="1" fill="hold">
+                                          <p:stCondLst>
+                                            <p:cond delay="0"/>
+                                          </p:stCondLst>
+                                        </p:cTn>
+                                        <p:tgtEl>
+                                          <p:spTgt spid="3">
+                                            <p:txEl>
+                                              <p:pRg st="3" end="3"/>
+                                            </p:txEl>
+                                          </p:spTgt>
+                                        </p:tgtEl>
+                                        <p:attrNameLst>
+                                          <p:attrName>style.visibility</p:attrName>
+                                        </p:attrNameLst>
+                                      </p:cBhvr>
+                                      <p:to>
+                                        <p:strVal val="visible"/>
+                                      </p:to>
+                                    </p:set>
+                                  </p:childTnLst>
+                                </p:cTn>
+                              </p:par>
+                            </p:childTnLst>
+                          </p:cTn>
+                        </p:par>
+                      </p:childTnLst>
+                    </p:cTn>
+                  </p:par>
+                  <p:par>
+                    <p:cTn id="19" fill="hold">
+                      <p:stCondLst>
+                        <p:cond delay="indefinite"/>
+                      </p:stCondLst>
+                      <p:childTnLst>
+                        <p:par>
+                          <p:cTn id="20" fill="hold">
+                            <p:stCondLst>
+                              <p:cond delay="0"/>
+                            </p:stCondLst>
+                            <p:childTnLst>
+                              <p:par>
+                                <p:cTn id="21" presetID="1" presetClass="entr" presetSubtype="0" fill="hold" nodeType="clickEffect">
+                                  <p:stCondLst>
+                                    <p:cond delay="0"/>
+                                  </p:stCondLst>
+                                  <p:childTnLst>
+                                    <p:set>
+                                      <p:cBhvr>
+                                        <p:cTn id="22" dur="1" fill="hold">
+                                          <p:stCondLst>
+                                            <p:cond delay="0"/>
+                                          </p:stCondLst>
+                                        </p:cTn>
+                                        <p:tgtEl>
+                                          <p:spTgt spid="3">
+                                            <p:txEl>
+                                              <p:pRg st="4" end="4"/>
+                                            </p:txEl>
+                                          </p:spTgt>
+                                        </p:tgtEl>
+                                        <p:attrNameLst>
+                                          <p:attrName>style.visibility</p:attrName>
+                                        </p:attrNameLst>
+                                      </p:cBhvr>
+                                      <p:to>
+                                        <p:strVal val="visible"/>
+                                      </p:to>
+                                    </p:set>
+                                  </p:childTnLst>
+                                </p:cTn>
+                              </p:par>
+                            </p:childTnLst>
+                          </p:cTn>
+                        </p:par>
+                      </p:childTnLst>
+                    </p:cTn>
+                  </p:par>
+                  <p:par>
+                    <p:cTn id="23" fill="hold">
+                      <p:stCondLst>
+                        <p:cond delay="indefinite"/>
+                      </p:stCondLst>
+                      <p:childTnLst>
+                        <p:par>
+                          <p:cTn id="24" fill="hold">
+                            <p:stCondLst>
+                              <p:cond delay="0"/>
+                            </p:stCondLst>
+                            <p:childTnLst>
+                              <p:par>
+                                <p:cTn id="25" presetID="1" presetClass="entr" presetSubtype="0" fill="hold" nodeType="clickEffect">
+                                  <p:stCondLst>
+                                    <p:cond delay="0"/>
+                                  </p:stCondLst>
+                                  <p:childTnLst>
+                                    <p:set>
+                                      <p:cBhvr>
+                                        <p:cTn id="26" dur="1" fill="hold">
+                                          <p:stCondLst>
+                                            <p:cond delay="0"/>
+                                          </p:stCondLst>
+                                        </p:cTn>
+                                        <p:tgtEl>
+                                          <p:spTgt spid="3">
+                                            <p:txEl>
+                                              <p:pRg st="5" end="5"/>
+                                            </p:txEl>
+                                          </p:spTgt>
+                                        </p:tgtEl>
+                                        <p:attrNameLst>
+                                          <p:attrName>style.visibility</p:attrName>
+                                        </p:attrNameLst>
+                                      </p:cBhvr>
+                                      <p:to>
+                                        <p:strVal val="visible"/>
+                                      </p:to>
+                                    </p:set>
+                                  </p:childTnLst>
+                                </p:cTn>
+                              </p:par>
+                            </p:childTnLst>
+                          </p:cTn>
+                        </p:par>
+                      </p:childTnLst>
+                    </p:cTn>
+                  </p:par>
+                  <p:par>
+                    <p:cTn id="27" fill="hold">
+                      <p:stCondLst>
+                        <p:cond delay="indefinite"/>
+                      </p:stCondLst>
+                      <p:childTnLst>
+                        <p:par>
+                          <p:cTn id="28" fill="hold">
+                            <p:stCondLst>
+                              <p:cond delay="0"/>
+                            </p:stCondLst>
+                            <p:childTnLst>
+                              <p:par>
+                                <p:cTn id="29" presetID="1" presetClass="entr" presetSubtype="0" fill="hold" nodeType="clickEffect">
+                                  <p:stCondLst>
+                                    <p:cond delay="0"/>
+                                  </p:stCondLst>
+                                  <p:childTnLst>
+                                    <p:set>
+                                      <p:cBhvr>
+                                        <p:cTn id="30" dur="1" fill="hold">
+                                          <p:stCondLst>
+                                            <p:cond delay="0"/>
+                                          </p:stCondLst>
+                                        </p:cTn>
+                                        <p:tgtEl>
+                                          <p:spTgt spid="3">
+                                            <p:txEl>
+                                              <p:pRg st="6" end="6"/>
+                                            </p:txEl>
+                                          </p:spTgt>
+                                        </p:tgtEl>
+                                        <p:attrNameLst>
+                                          <p:attrName>style.visibility</p:attrName>
+                                        </p:attrNameLst>
+                                      </p:cBhvr>
+                                      <p:to>
+                                        <p:strVal val="visible"/>
+                                      </p:to>
+                                    </p:set>
+                                  </p:childTnLst>
+                                </p:cTn>
+                              </p:par>
+                            </p:childTnLst>
+                          </p:cTn>
+                        </p:par>
+                      </p:childTnLst>
+                    </p:cTn>
+                  </p:par>
+                  <p:par>
+                    <p:cTn id="31" fill="hold">
+                      <p:stCondLst>
+                        <p:cond delay="indefinite"/>
+                      </p:stCondLst>
+                      <p:childTnLst>
+                        <p:par>
+                          <p:cTn id="32" fill="hold">
+                            <p:stCondLst>
+                              <p:cond delay="0"/>
+                            </p:stCondLst>
+                            <p:childTnLst>
+                              <p:par>
+                                <p:cTn id="33" presetID="1" presetClass="entr" presetSubtype="0" fill="hold" nodeType="clickEffect">
+                                  <p:stCondLst>
+                                    <p:cond delay="0"/>
+                                  </p:stCondLst>
+                                  <p:childTnLst>
+                                    <p:set>
+                                      <p:cBhvr>
+                                        <p:cTn id="34" dur="1" fill="hold">
+                                          <p:stCondLst>
+                                            <p:cond delay="0"/>
+                                          </p:stCondLst>
+                                        </p:cTn>
+                                        <p:tgtEl>
+                                          <p:spTgt spid="3">
+                                            <p:txEl>
+                                              <p:pRg st="7" end="7"/>
+                                            </p:txEl>
+                                          </p:spTgt>
+                                        </p:tgtEl>
+                                        <p:attrNameLst>
+                                          <p:attrName>style.visibility</p:attrName>
+                                        </p:attrNameLst>
+                                      </p:cBhvr>
+                                      <p:to>
+                                        <p:strVal val="visible"/>
+                                      </p:to>
+                                    </p:set>
+                                  </p:childTnLst>
+                                </p:cTn>
+                              </p:par>
+                            </p:childTnLst>
+                          </p:cTn>
+                        </p:par>
+                      </p:childTnLst>
+                    </p:cTn>
+                  </p:par>
+                  <p:par>
+                    <p:cTn id="35" fill="hold">
+                      <p:stCondLst>
+                        <p:cond delay="indefinite"/>
+                      </p:stCondLst>
+                      <p:childTnLst>
+                        <p:par>
+                          <p:cTn id="36" fill="hold">
+                            <p:stCondLst>
+                              <p:cond delay="0"/>
+                            </p:stCondLst>
+                            <p:childTnLst>
+                              <p:par>
+                                <p:cTn id="37" presetID="1" presetClass="entr" presetSubtype="0" fill="hold" nodeType="clickEffect">
+                                  <p:stCondLst>
+                                    <p:cond delay="0"/>
+                                  </p:stCondLst>
+                                  <p:childTnLst>
+                                    <p:set>
+                                      <p:cBhvr>
+                                        <p:cTn id="38" dur="1" fill="hold">
+                                          <p:stCondLst>
+                                            <p:cond delay="0"/>
+                                          </p:stCondLst>
+                                        </p:cTn>
+                                        <p:tgtEl>
+                                          <p:spTgt spid="3">
+                                            <p:txEl>
+                                              <p:pRg st="8" end="8"/>
+                                            </p:txEl>
+                                          </p:spTgt>
+                                        </p:tgtEl>
+                                        <p:attrNameLst>
+                                          <p:attrName>style.visibility</p:attrName>
+                                        </p:attrNameLst>
+                                      </p:cBhvr>
+                                      <p:to>
+                                        <p:strVal val="visible"/>
+                                      </p:to>
+                                    </p:set>
+                                  </p:childTnLst>
+                                </p:cTn>
+                              </p:par>
+                            </p:childTnLst>
+                          </p:cTn>
+                        </p:par>
+                      </p:childTnLst>
+                    </p:cTn>
+                  </p:par>
+                  <p:par>
+                    <p:cTn id="39" fill="hold">
+                      <p:stCondLst>
+                        <p:cond delay="indefinite"/>
+                      </p:stCondLst>
+                      <p:childTnLst>
+                        <p:par>
+                          <p:cTn id="40" fill="hold">
+                            <p:stCondLst>
+                              <p:cond delay="0"/>
+                            </p:stCondLst>
+                            <p:childTnLst>
+                              <p:par>
+                                <p:cTn id="41" presetID="1" presetClass="entr" presetSubtype="0" fill="hold" nodeType="clickEffect">
+                                  <p:stCondLst>
+                                    <p:cond delay="0"/>
+                                  </p:stCondLst>
+                                  <p:childTnLst>
+                                    <p:set>
+                                      <p:cBhvr>
+                                        <p:cTn id="42" dur="1" fill="hold">
+                                          <p:stCondLst>
+                                            <p:cond delay="0"/>
+                                          </p:stCondLst>
+                                        </p:cTn>
+                                        <p:tgtEl>
+                                          <p:spTgt spid="3">
+                                            <p:txEl>
+                                              <p:pRg st="9" end="9"/>
+                                            </p:txEl>
+                                          </p:spTgt>
+                                        </p:tgtEl>
+                                        <p:attrNameLst>
+                                          <p:attrName>style.visibility</p:attrName>
+                                        </p:attrNameLst>
+                                      </p:cBhvr>
+                                      <p:to>
+                                        <p:strVal val="visible"/>
+                                      </p:to>
+                                    </p:set>
+                                  </p:childTnLst>
+                                </p:cTn>
+                              </p:par>
+                            </p:childTnLst>
+                          </p:cTn>
+                        </p:par>
+                      </p:childTnLst>
+                    </p:cTn>
+                  </p:par>
+                </p:childTnLst>
+              </p:cTn>
+              <p:prevCondLst>
+                <p:cond evt="onPrev" delay="0">
+                  <p:tgtEl>
+                    <p:sldTgt/>
+                  </p:tgtEl>
+                </p:cond>
+              </p:prevCondLst>
+              <p:nextCondLst>
+                <p:cond evt="onNext" delay="0">
+                  <p:tgtEl>
+                    <p:sldTgt/>
+                  </p:tgtEl>
+                </p:cond>
+              </p:nextCondLst>
+            </p:seq>
+          </p:childTnLst>
+        </p:cTn>
       </p:par>
     </p:tnLst>
   </p:timing>
@@ -4426,9 +6761,462 @@
   <p:timing>
     <p:tnLst>
       <p:par>
-        <p:cTn id="1" dur="indefinite" restart="never" nodeType="tmRoot"/>
+        <p:cTn id="1" dur="indefinite" restart="never" nodeType="tmRoot">
+          <p:childTnLst>
+            <p:seq concurrent="1" nextAc="seek">
+              <p:cTn id="2" dur="indefinite" nodeType="mainSeq">
+                <p:childTnLst>
+                  <p:par>
+                    <p:cTn id="3" fill="hold">
+                      <p:stCondLst>
+                        <p:cond delay="indefinite"/>
+                      </p:stCondLst>
+                      <p:childTnLst>
+                        <p:par>
+                          <p:cTn id="4" fill="hold">
+                            <p:stCondLst>
+                              <p:cond delay="0"/>
+                            </p:stCondLst>
+                            <p:childTnLst>
+                              <p:par>
+                                <p:cTn id="5" presetID="10" presetClass="entr" presetSubtype="0" fill="hold" grpId="0" nodeType="clickEffect">
+                                  <p:stCondLst>
+                                    <p:cond delay="0"/>
+                                  </p:stCondLst>
+                                  <p:childTnLst>
+                                    <p:set>
+                                      <p:cBhvr>
+                                        <p:cTn id="6" dur="1" fill="hold">
+                                          <p:stCondLst>
+                                            <p:cond delay="0"/>
+                                          </p:stCondLst>
+                                        </p:cTn>
+                                        <p:tgtEl>
+                                          <p:spTgt spid="3">
+                                            <p:txEl>
+                                              <p:pRg st="0" end="0"/>
+                                            </p:txEl>
+                                          </p:spTgt>
+                                        </p:tgtEl>
+                                        <p:attrNameLst>
+                                          <p:attrName>style.visibility</p:attrName>
+                                        </p:attrNameLst>
+                                      </p:cBhvr>
+                                      <p:to>
+                                        <p:strVal val="visible"/>
+                                      </p:to>
+                                    </p:set>
+                                    <p:animEffect transition="in" filter="fade">
+                                      <p:cBhvr>
+                                        <p:cTn id="7" dur="500"/>
+                                        <p:tgtEl>
+                                          <p:spTgt spid="3">
+                                            <p:txEl>
+                                              <p:pRg st="0" end="0"/>
+                                            </p:txEl>
+                                          </p:spTgt>
+                                        </p:tgtEl>
+                                      </p:cBhvr>
+                                    </p:animEffect>
+                                  </p:childTnLst>
+                                </p:cTn>
+                              </p:par>
+                            </p:childTnLst>
+                          </p:cTn>
+                        </p:par>
+                      </p:childTnLst>
+                    </p:cTn>
+                  </p:par>
+                  <p:par>
+                    <p:cTn id="8" fill="hold">
+                      <p:stCondLst>
+                        <p:cond delay="indefinite"/>
+                      </p:stCondLst>
+                      <p:childTnLst>
+                        <p:par>
+                          <p:cTn id="9" fill="hold">
+                            <p:stCondLst>
+                              <p:cond delay="0"/>
+                            </p:stCondLst>
+                            <p:childTnLst>
+                              <p:par>
+                                <p:cTn id="10" presetID="10" presetClass="entr" presetSubtype="0" fill="hold" grpId="0" nodeType="clickEffect">
+                                  <p:stCondLst>
+                                    <p:cond delay="0"/>
+                                  </p:stCondLst>
+                                  <p:childTnLst>
+                                    <p:set>
+                                      <p:cBhvr>
+                                        <p:cTn id="11" dur="1" fill="hold">
+                                          <p:stCondLst>
+                                            <p:cond delay="0"/>
+                                          </p:stCondLst>
+                                        </p:cTn>
+                                        <p:tgtEl>
+                                          <p:spTgt spid="3">
+                                            <p:txEl>
+                                              <p:pRg st="1" end="1"/>
+                                            </p:txEl>
+                                          </p:spTgt>
+                                        </p:tgtEl>
+                                        <p:attrNameLst>
+                                          <p:attrName>style.visibility</p:attrName>
+                                        </p:attrNameLst>
+                                      </p:cBhvr>
+                                      <p:to>
+                                        <p:strVal val="visible"/>
+                                      </p:to>
+                                    </p:set>
+                                    <p:animEffect transition="in" filter="fade">
+                                      <p:cBhvr>
+                                        <p:cTn id="12" dur="500"/>
+                                        <p:tgtEl>
+                                          <p:spTgt spid="3">
+                                            <p:txEl>
+                                              <p:pRg st="1" end="1"/>
+                                            </p:txEl>
+                                          </p:spTgt>
+                                        </p:tgtEl>
+                                      </p:cBhvr>
+                                    </p:animEffect>
+                                  </p:childTnLst>
+                                </p:cTn>
+                              </p:par>
+                            </p:childTnLst>
+                          </p:cTn>
+                        </p:par>
+                      </p:childTnLst>
+                    </p:cTn>
+                  </p:par>
+                  <p:par>
+                    <p:cTn id="13" fill="hold">
+                      <p:stCondLst>
+                        <p:cond delay="indefinite"/>
+                      </p:stCondLst>
+                      <p:childTnLst>
+                        <p:par>
+                          <p:cTn id="14" fill="hold">
+                            <p:stCondLst>
+                              <p:cond delay="0"/>
+                            </p:stCondLst>
+                            <p:childTnLst>
+                              <p:par>
+                                <p:cTn id="15" presetID="10" presetClass="entr" presetSubtype="0" fill="hold" grpId="0" nodeType="clickEffect">
+                                  <p:stCondLst>
+                                    <p:cond delay="0"/>
+                                  </p:stCondLst>
+                                  <p:childTnLst>
+                                    <p:set>
+                                      <p:cBhvr>
+                                        <p:cTn id="16" dur="1" fill="hold">
+                                          <p:stCondLst>
+                                            <p:cond delay="0"/>
+                                          </p:stCondLst>
+                                        </p:cTn>
+                                        <p:tgtEl>
+                                          <p:spTgt spid="3">
+                                            <p:txEl>
+                                              <p:pRg st="2" end="2"/>
+                                            </p:txEl>
+                                          </p:spTgt>
+                                        </p:tgtEl>
+                                        <p:attrNameLst>
+                                          <p:attrName>style.visibility</p:attrName>
+                                        </p:attrNameLst>
+                                      </p:cBhvr>
+                                      <p:to>
+                                        <p:strVal val="visible"/>
+                                      </p:to>
+                                    </p:set>
+                                    <p:animEffect transition="in" filter="fade">
+                                      <p:cBhvr>
+                                        <p:cTn id="17" dur="500"/>
+                                        <p:tgtEl>
+                                          <p:spTgt spid="3">
+                                            <p:txEl>
+                                              <p:pRg st="2" end="2"/>
+                                            </p:txEl>
+                                          </p:spTgt>
+                                        </p:tgtEl>
+                                      </p:cBhvr>
+                                    </p:animEffect>
+                                  </p:childTnLst>
+                                </p:cTn>
+                              </p:par>
+                            </p:childTnLst>
+                          </p:cTn>
+                        </p:par>
+                      </p:childTnLst>
+                    </p:cTn>
+                  </p:par>
+                  <p:par>
+                    <p:cTn id="18" fill="hold">
+                      <p:stCondLst>
+                        <p:cond delay="indefinite"/>
+                      </p:stCondLst>
+                      <p:childTnLst>
+                        <p:par>
+                          <p:cTn id="19" fill="hold">
+                            <p:stCondLst>
+                              <p:cond delay="0"/>
+                            </p:stCondLst>
+                            <p:childTnLst>
+                              <p:par>
+                                <p:cTn id="20" presetID="10" presetClass="entr" presetSubtype="0" fill="hold" grpId="0" nodeType="clickEffect">
+                                  <p:stCondLst>
+                                    <p:cond delay="0"/>
+                                  </p:stCondLst>
+                                  <p:childTnLst>
+                                    <p:set>
+                                      <p:cBhvr>
+                                        <p:cTn id="21" dur="1" fill="hold">
+                                          <p:stCondLst>
+                                            <p:cond delay="0"/>
+                                          </p:stCondLst>
+                                        </p:cTn>
+                                        <p:tgtEl>
+                                          <p:spTgt spid="3">
+                                            <p:txEl>
+                                              <p:pRg st="3" end="3"/>
+                                            </p:txEl>
+                                          </p:spTgt>
+                                        </p:tgtEl>
+                                        <p:attrNameLst>
+                                          <p:attrName>style.visibility</p:attrName>
+                                        </p:attrNameLst>
+                                      </p:cBhvr>
+                                      <p:to>
+                                        <p:strVal val="visible"/>
+                                      </p:to>
+                                    </p:set>
+                                    <p:animEffect transition="in" filter="fade">
+                                      <p:cBhvr>
+                                        <p:cTn id="22" dur="500"/>
+                                        <p:tgtEl>
+                                          <p:spTgt spid="3">
+                                            <p:txEl>
+                                              <p:pRg st="3" end="3"/>
+                                            </p:txEl>
+                                          </p:spTgt>
+                                        </p:tgtEl>
+                                      </p:cBhvr>
+                                    </p:animEffect>
+                                  </p:childTnLst>
+                                </p:cTn>
+                              </p:par>
+                            </p:childTnLst>
+                          </p:cTn>
+                        </p:par>
+                      </p:childTnLst>
+                    </p:cTn>
+                  </p:par>
+                  <p:par>
+                    <p:cTn id="23" fill="hold">
+                      <p:stCondLst>
+                        <p:cond delay="indefinite"/>
+                      </p:stCondLst>
+                      <p:childTnLst>
+                        <p:par>
+                          <p:cTn id="24" fill="hold">
+                            <p:stCondLst>
+                              <p:cond delay="0"/>
+                            </p:stCondLst>
+                            <p:childTnLst>
+                              <p:par>
+                                <p:cTn id="25" presetID="10" presetClass="entr" presetSubtype="0" fill="hold" grpId="0" nodeType="clickEffect">
+                                  <p:stCondLst>
+                                    <p:cond delay="0"/>
+                                  </p:stCondLst>
+                                  <p:childTnLst>
+                                    <p:set>
+                                      <p:cBhvr>
+                                        <p:cTn id="26" dur="1" fill="hold">
+                                          <p:stCondLst>
+                                            <p:cond delay="0"/>
+                                          </p:stCondLst>
+                                        </p:cTn>
+                                        <p:tgtEl>
+                                          <p:spTgt spid="3">
+                                            <p:txEl>
+                                              <p:pRg st="4" end="4"/>
+                                            </p:txEl>
+                                          </p:spTgt>
+                                        </p:tgtEl>
+                                        <p:attrNameLst>
+                                          <p:attrName>style.visibility</p:attrName>
+                                        </p:attrNameLst>
+                                      </p:cBhvr>
+                                      <p:to>
+                                        <p:strVal val="visible"/>
+                                      </p:to>
+                                    </p:set>
+                                    <p:animEffect transition="in" filter="fade">
+                                      <p:cBhvr>
+                                        <p:cTn id="27" dur="500"/>
+                                        <p:tgtEl>
+                                          <p:spTgt spid="3">
+                                            <p:txEl>
+                                              <p:pRg st="4" end="4"/>
+                                            </p:txEl>
+                                          </p:spTgt>
+                                        </p:tgtEl>
+                                      </p:cBhvr>
+                                    </p:animEffect>
+                                  </p:childTnLst>
+                                </p:cTn>
+                              </p:par>
+                            </p:childTnLst>
+                          </p:cTn>
+                        </p:par>
+                      </p:childTnLst>
+                    </p:cTn>
+                  </p:par>
+                  <p:par>
+                    <p:cTn id="28" fill="hold">
+                      <p:stCondLst>
+                        <p:cond delay="indefinite"/>
+                      </p:stCondLst>
+                      <p:childTnLst>
+                        <p:par>
+                          <p:cTn id="29" fill="hold">
+                            <p:stCondLst>
+                              <p:cond delay="0"/>
+                            </p:stCondLst>
+                            <p:childTnLst>
+                              <p:par>
+                                <p:cTn id="30" presetID="10" presetClass="entr" presetSubtype="0" fill="hold" grpId="0" nodeType="clickEffect">
+                                  <p:stCondLst>
+                                    <p:cond delay="0"/>
+                                  </p:stCondLst>
+                                  <p:childTnLst>
+                                    <p:set>
+                                      <p:cBhvr>
+                                        <p:cTn id="31" dur="1" fill="hold">
+                                          <p:stCondLst>
+                                            <p:cond delay="0"/>
+                                          </p:stCondLst>
+                                        </p:cTn>
+                                        <p:tgtEl>
+                                          <p:spTgt spid="3">
+                                            <p:txEl>
+                                              <p:pRg st="5" end="5"/>
+                                            </p:txEl>
+                                          </p:spTgt>
+                                        </p:tgtEl>
+                                        <p:attrNameLst>
+                                          <p:attrName>style.visibility</p:attrName>
+                                        </p:attrNameLst>
+                                      </p:cBhvr>
+                                      <p:to>
+                                        <p:strVal val="visible"/>
+                                      </p:to>
+                                    </p:set>
+                                    <p:animEffect transition="in" filter="fade">
+                                      <p:cBhvr>
+                                        <p:cTn id="32" dur="500"/>
+                                        <p:tgtEl>
+                                          <p:spTgt spid="3">
+                                            <p:txEl>
+                                              <p:pRg st="5" end="5"/>
+                                            </p:txEl>
+                                          </p:spTgt>
+                                        </p:tgtEl>
+                                      </p:cBhvr>
+                                    </p:animEffect>
+                                  </p:childTnLst>
+                                </p:cTn>
+                              </p:par>
+                            </p:childTnLst>
+                          </p:cTn>
+                        </p:par>
+                      </p:childTnLst>
+                    </p:cTn>
+                  </p:par>
+                  <p:par>
+                    <p:cTn id="33" fill="hold">
+                      <p:stCondLst>
+                        <p:cond delay="indefinite"/>
+                      </p:stCondLst>
+                      <p:childTnLst>
+                        <p:par>
+                          <p:cTn id="34" fill="hold">
+                            <p:stCondLst>
+                              <p:cond delay="0"/>
+                            </p:stCondLst>
+                            <p:childTnLst>
+                              <p:par>
+                                <p:cTn id="35" presetID="10" presetClass="entr" presetSubtype="0" fill="hold" grpId="0" nodeType="clickEffect">
+                                  <p:stCondLst>
+                                    <p:cond delay="0"/>
+                                  </p:stCondLst>
+                                  <p:childTnLst>
+                                    <p:set>
+                                      <p:cBhvr>
+                                        <p:cTn id="36" dur="1" fill="hold">
+                                          <p:stCondLst>
+                                            <p:cond delay="0"/>
+                                          </p:stCondLst>
+                                        </p:cTn>
+                                        <p:tgtEl>
+                                          <p:spTgt spid="3">
+                                            <p:txEl>
+                                              <p:pRg st="6" end="6"/>
+                                            </p:txEl>
+                                          </p:spTgt>
+                                        </p:tgtEl>
+                                        <p:attrNameLst>
+                                          <p:attrName>style.visibility</p:attrName>
+                                        </p:attrNameLst>
+                                      </p:cBhvr>
+                                      <p:to>
+                                        <p:strVal val="visible"/>
+                                      </p:to>
+                                    </p:set>
+                                    <p:animEffect transition="in" filter="fade">
+                                      <p:cBhvr>
+                                        <p:cTn id="37" dur="500"/>
+                                        <p:tgtEl>
+                                          <p:spTgt spid="3">
+                                            <p:txEl>
+                                              <p:pRg st="6" end="6"/>
+                                            </p:txEl>
+                                          </p:spTgt>
+                                        </p:tgtEl>
+                                      </p:cBhvr>
+                                    </p:animEffect>
+                                  </p:childTnLst>
+                                </p:cTn>
+                              </p:par>
+                            </p:childTnLst>
+                          </p:cTn>
+                        </p:par>
+                      </p:childTnLst>
+                    </p:cTn>
+                  </p:par>
+                </p:childTnLst>
+              </p:cTn>
+              <p:prevCondLst>
+                <p:cond evt="onPrev" delay="0">
+                  <p:tgtEl>
+                    <p:sldTgt/>
+                  </p:tgtEl>
+                </p:cond>
+              </p:prevCondLst>
+              <p:nextCondLst>
+                <p:cond evt="onNext" delay="0">
+                  <p:tgtEl>
+                    <p:sldTgt/>
+                  </p:tgtEl>
+                </p:cond>
+              </p:nextCondLst>
+            </p:seq>
+          </p:childTnLst>
+        </p:cTn>
       </p:par>
     </p:tnLst>
+    <p:bldLst>
+      <p:bldP spid="3" grpId="0" build="p"/>
+    </p:bldLst>
   </p:timing>
 </p:sld>
 </file>
@@ -4490,18 +7278,26 @@
           <a:p>
             <a:r>
               <a:rPr lang="en-US" dirty="0" err="1" smtClean="0"/>
-              <a:t>Git</a:t>
+              <a:t>Induja</a:t>
             </a:r>
             <a:r>
               <a:rPr lang="en-US" dirty="0" smtClean="0"/>
-              <a:t> Hub: Induja0107 </a:t>
+              <a:t> (</a:t>
+            </a:r>
+            <a:r>
+              <a:rPr lang="en-US" dirty="0" err="1" smtClean="0"/>
+              <a:t>Github</a:t>
+            </a:r>
+            <a:r>
+              <a:rPr lang="en-US" dirty="0" smtClean="0"/>
+              <a:t>: induja0107)</a:t>
             </a:r>
             <a:endParaRPr lang="en-US" dirty="0" smtClean="0"/>
           </a:p>
           <a:p>
             <a:r>
               <a:rPr lang="en-US" dirty="0" smtClean="0"/>
-              <a:t>Technical Solution Architect </a:t>
+              <a:t>Technical Solution Architect @ Mutual of Omaha</a:t>
             </a:r>
           </a:p>
           <a:p>
@@ -4514,20 +7310,6 @@
             <a:r>
               <a:rPr lang="en-US" dirty="0" smtClean="0"/>
               <a:t>Three terms that define my experience: Financial Services, Cloud, Java.</a:t>
-            </a:r>
-          </a:p>
-          <a:p>
-            <a:r>
-              <a:rPr lang="en-US" dirty="0" smtClean="0"/>
-              <a:t>Puppet developer and cloud </a:t>
-            </a:r>
-            <a:r>
-              <a:rPr lang="en-US" dirty="0" err="1" smtClean="0"/>
-              <a:t>devops</a:t>
-            </a:r>
-            <a:r>
-              <a:rPr lang="en-US" dirty="0" smtClean="0"/>
-              <a:t> specialist.</a:t>
             </a:r>
             <a:endParaRPr lang="en-US" dirty="0"/>
           </a:p>
@@ -4655,9 +7437,340 @@
   <p:timing>
     <p:tnLst>
       <p:par>
-        <p:cTn id="1" dur="indefinite" restart="never" nodeType="tmRoot"/>
+        <p:cTn id="1" dur="indefinite" restart="never" nodeType="tmRoot">
+          <p:childTnLst>
+            <p:seq concurrent="1" nextAc="seek">
+              <p:cTn id="2" dur="indefinite" nodeType="mainSeq">
+                <p:childTnLst>
+                  <p:par>
+                    <p:cTn id="3" fill="hold">
+                      <p:stCondLst>
+                        <p:cond delay="indefinite"/>
+                      </p:stCondLst>
+                      <p:childTnLst>
+                        <p:par>
+                          <p:cTn id="4" fill="hold">
+                            <p:stCondLst>
+                              <p:cond delay="0"/>
+                            </p:stCondLst>
+                            <p:childTnLst>
+                              <p:par>
+                                <p:cTn id="5" presetID="10" presetClass="entr" presetSubtype="0" fill="hold" grpId="0" nodeType="clickEffect">
+                                  <p:stCondLst>
+                                    <p:cond delay="0"/>
+                                  </p:stCondLst>
+                                  <p:childTnLst>
+                                    <p:set>
+                                      <p:cBhvr>
+                                        <p:cTn id="6" dur="1" fill="hold">
+                                          <p:stCondLst>
+                                            <p:cond delay="0"/>
+                                          </p:stCondLst>
+                                        </p:cTn>
+                                        <p:tgtEl>
+                                          <p:spTgt spid="3">
+                                            <p:txEl>
+                                              <p:pRg st="0" end="0"/>
+                                            </p:txEl>
+                                          </p:spTgt>
+                                        </p:tgtEl>
+                                        <p:attrNameLst>
+                                          <p:attrName>style.visibility</p:attrName>
+                                        </p:attrNameLst>
+                                      </p:cBhvr>
+                                      <p:to>
+                                        <p:strVal val="visible"/>
+                                      </p:to>
+                                    </p:set>
+                                    <p:animEffect transition="in" filter="fade">
+                                      <p:cBhvr>
+                                        <p:cTn id="7" dur="500"/>
+                                        <p:tgtEl>
+                                          <p:spTgt spid="3">
+                                            <p:txEl>
+                                              <p:pRg st="0" end="0"/>
+                                            </p:txEl>
+                                          </p:spTgt>
+                                        </p:tgtEl>
+                                      </p:cBhvr>
+                                    </p:animEffect>
+                                  </p:childTnLst>
+                                </p:cTn>
+                              </p:par>
+                            </p:childTnLst>
+                          </p:cTn>
+                        </p:par>
+                      </p:childTnLst>
+                    </p:cTn>
+                  </p:par>
+                  <p:par>
+                    <p:cTn id="8" fill="hold">
+                      <p:stCondLst>
+                        <p:cond delay="indefinite"/>
+                      </p:stCondLst>
+                      <p:childTnLst>
+                        <p:par>
+                          <p:cTn id="9" fill="hold">
+                            <p:stCondLst>
+                              <p:cond delay="0"/>
+                            </p:stCondLst>
+                            <p:childTnLst>
+                              <p:par>
+                                <p:cTn id="10" presetID="10" presetClass="entr" presetSubtype="0" fill="hold" grpId="0" nodeType="clickEffect">
+                                  <p:stCondLst>
+                                    <p:cond delay="0"/>
+                                  </p:stCondLst>
+                                  <p:childTnLst>
+                                    <p:set>
+                                      <p:cBhvr>
+                                        <p:cTn id="11" dur="1" fill="hold">
+                                          <p:stCondLst>
+                                            <p:cond delay="0"/>
+                                          </p:stCondLst>
+                                        </p:cTn>
+                                        <p:tgtEl>
+                                          <p:spTgt spid="3">
+                                            <p:txEl>
+                                              <p:pRg st="1" end="1"/>
+                                            </p:txEl>
+                                          </p:spTgt>
+                                        </p:tgtEl>
+                                        <p:attrNameLst>
+                                          <p:attrName>style.visibility</p:attrName>
+                                        </p:attrNameLst>
+                                      </p:cBhvr>
+                                      <p:to>
+                                        <p:strVal val="visible"/>
+                                      </p:to>
+                                    </p:set>
+                                    <p:animEffect transition="in" filter="fade">
+                                      <p:cBhvr>
+                                        <p:cTn id="12" dur="500"/>
+                                        <p:tgtEl>
+                                          <p:spTgt spid="3">
+                                            <p:txEl>
+                                              <p:pRg st="1" end="1"/>
+                                            </p:txEl>
+                                          </p:spTgt>
+                                        </p:tgtEl>
+                                      </p:cBhvr>
+                                    </p:animEffect>
+                                  </p:childTnLst>
+                                </p:cTn>
+                              </p:par>
+                            </p:childTnLst>
+                          </p:cTn>
+                        </p:par>
+                      </p:childTnLst>
+                    </p:cTn>
+                  </p:par>
+                  <p:par>
+                    <p:cTn id="13" fill="hold">
+                      <p:stCondLst>
+                        <p:cond delay="indefinite"/>
+                      </p:stCondLst>
+                      <p:childTnLst>
+                        <p:par>
+                          <p:cTn id="14" fill="hold">
+                            <p:stCondLst>
+                              <p:cond delay="0"/>
+                            </p:stCondLst>
+                            <p:childTnLst>
+                              <p:par>
+                                <p:cTn id="15" presetID="10" presetClass="entr" presetSubtype="0" fill="hold" grpId="0" nodeType="clickEffect">
+                                  <p:stCondLst>
+                                    <p:cond delay="0"/>
+                                  </p:stCondLst>
+                                  <p:childTnLst>
+                                    <p:set>
+                                      <p:cBhvr>
+                                        <p:cTn id="16" dur="1" fill="hold">
+                                          <p:stCondLst>
+                                            <p:cond delay="0"/>
+                                          </p:stCondLst>
+                                        </p:cTn>
+                                        <p:tgtEl>
+                                          <p:spTgt spid="3">
+                                            <p:txEl>
+                                              <p:pRg st="2" end="2"/>
+                                            </p:txEl>
+                                          </p:spTgt>
+                                        </p:tgtEl>
+                                        <p:attrNameLst>
+                                          <p:attrName>style.visibility</p:attrName>
+                                        </p:attrNameLst>
+                                      </p:cBhvr>
+                                      <p:to>
+                                        <p:strVal val="visible"/>
+                                      </p:to>
+                                    </p:set>
+                                    <p:animEffect transition="in" filter="fade">
+                                      <p:cBhvr>
+                                        <p:cTn id="17" dur="500"/>
+                                        <p:tgtEl>
+                                          <p:spTgt spid="3">
+                                            <p:txEl>
+                                              <p:pRg st="2" end="2"/>
+                                            </p:txEl>
+                                          </p:spTgt>
+                                        </p:tgtEl>
+                                      </p:cBhvr>
+                                    </p:animEffect>
+                                  </p:childTnLst>
+                                </p:cTn>
+                              </p:par>
+                            </p:childTnLst>
+                          </p:cTn>
+                        </p:par>
+                      </p:childTnLst>
+                    </p:cTn>
+                  </p:par>
+                  <p:par>
+                    <p:cTn id="18" fill="hold">
+                      <p:stCondLst>
+                        <p:cond delay="indefinite"/>
+                      </p:stCondLst>
+                      <p:childTnLst>
+                        <p:par>
+                          <p:cTn id="19" fill="hold">
+                            <p:stCondLst>
+                              <p:cond delay="0"/>
+                            </p:stCondLst>
+                            <p:childTnLst>
+                              <p:par>
+                                <p:cTn id="20" presetID="10" presetClass="entr" presetSubtype="0" fill="hold" grpId="0" nodeType="clickEffect">
+                                  <p:stCondLst>
+                                    <p:cond delay="0"/>
+                                  </p:stCondLst>
+                                  <p:childTnLst>
+                                    <p:set>
+                                      <p:cBhvr>
+                                        <p:cTn id="21" dur="1" fill="hold">
+                                          <p:stCondLst>
+                                            <p:cond delay="0"/>
+                                          </p:stCondLst>
+                                        </p:cTn>
+                                        <p:tgtEl>
+                                          <p:spTgt spid="3">
+                                            <p:txEl>
+                                              <p:pRg st="3" end="3"/>
+                                            </p:txEl>
+                                          </p:spTgt>
+                                        </p:tgtEl>
+                                        <p:attrNameLst>
+                                          <p:attrName>style.visibility</p:attrName>
+                                        </p:attrNameLst>
+                                      </p:cBhvr>
+                                      <p:to>
+                                        <p:strVal val="visible"/>
+                                      </p:to>
+                                    </p:set>
+                                    <p:animEffect transition="in" filter="fade">
+                                      <p:cBhvr>
+                                        <p:cTn id="22" dur="500"/>
+                                        <p:tgtEl>
+                                          <p:spTgt spid="3">
+                                            <p:txEl>
+                                              <p:pRg st="3" end="3"/>
+                                            </p:txEl>
+                                          </p:spTgt>
+                                        </p:tgtEl>
+                                      </p:cBhvr>
+                                    </p:animEffect>
+                                  </p:childTnLst>
+                                </p:cTn>
+                              </p:par>
+                            </p:childTnLst>
+                          </p:cTn>
+                        </p:par>
+                      </p:childTnLst>
+                    </p:cTn>
+                  </p:par>
+                  <p:par>
+                    <p:cTn id="23" fill="hold">
+                      <p:stCondLst>
+                        <p:cond delay="indefinite"/>
+                      </p:stCondLst>
+                      <p:childTnLst>
+                        <p:par>
+                          <p:cTn id="24" fill="hold">
+                            <p:stCondLst>
+                              <p:cond delay="0"/>
+                            </p:stCondLst>
+                            <p:childTnLst>
+                              <p:par>
+                                <p:cTn id="25" presetID="10" presetClass="entr" presetSubtype="0" fill="hold" grpId="0" nodeType="clickEffect">
+                                  <p:stCondLst>
+                                    <p:cond delay="0"/>
+                                  </p:stCondLst>
+                                  <p:childTnLst>
+                                    <p:set>
+                                      <p:cBhvr>
+                                        <p:cTn id="26" dur="1" fill="hold">
+                                          <p:stCondLst>
+                                            <p:cond delay="0"/>
+                                          </p:stCondLst>
+                                        </p:cTn>
+                                        <p:tgtEl>
+                                          <p:spTgt spid="3">
+                                            <p:txEl>
+                                              <p:pRg st="4" end="4"/>
+                                            </p:txEl>
+                                          </p:spTgt>
+                                        </p:tgtEl>
+                                        <p:attrNameLst>
+                                          <p:attrName>style.visibility</p:attrName>
+                                        </p:attrNameLst>
+                                      </p:cBhvr>
+                                      <p:to>
+                                        <p:strVal val="visible"/>
+                                      </p:to>
+                                    </p:set>
+                                    <p:animEffect transition="in" filter="fade">
+                                      <p:cBhvr>
+                                        <p:cTn id="27" dur="500"/>
+                                        <p:tgtEl>
+                                          <p:spTgt spid="3">
+                                            <p:txEl>
+                                              <p:pRg st="4" end="4"/>
+                                            </p:txEl>
+                                          </p:spTgt>
+                                        </p:tgtEl>
+                                      </p:cBhvr>
+                                    </p:animEffect>
+                                  </p:childTnLst>
+                                </p:cTn>
+                              </p:par>
+                            </p:childTnLst>
+                          </p:cTn>
+                        </p:par>
+                      </p:childTnLst>
+                    </p:cTn>
+                  </p:par>
+                </p:childTnLst>
+              </p:cTn>
+              <p:prevCondLst>
+                <p:cond evt="onPrev" delay="0">
+                  <p:tgtEl>
+                    <p:sldTgt/>
+                  </p:tgtEl>
+                </p:cond>
+              </p:prevCondLst>
+              <p:nextCondLst>
+                <p:cond evt="onNext" delay="0">
+                  <p:tgtEl>
+                    <p:sldTgt/>
+                  </p:tgtEl>
+                </p:cond>
+              </p:nextCondLst>
+            </p:seq>
+          </p:childTnLst>
+        </p:cTn>
       </p:par>
     </p:tnLst>
+    <p:bldLst>
+      <p:bldP spid="3" grpId="0" build="p"/>
+    </p:bldLst>
   </p:timing>
 </p:sld>
 </file>
@@ -4779,9 +7892,279 @@
   <p:timing>
     <p:tnLst>
       <p:par>
-        <p:cTn id="1" dur="indefinite" restart="never" nodeType="tmRoot"/>
+        <p:cTn id="1" dur="indefinite" restart="never" nodeType="tmRoot">
+          <p:childTnLst>
+            <p:seq concurrent="1" nextAc="seek">
+              <p:cTn id="2" dur="indefinite" nodeType="mainSeq">
+                <p:childTnLst>
+                  <p:par>
+                    <p:cTn id="3" fill="hold">
+                      <p:stCondLst>
+                        <p:cond delay="indefinite"/>
+                      </p:stCondLst>
+                      <p:childTnLst>
+                        <p:par>
+                          <p:cTn id="4" fill="hold">
+                            <p:stCondLst>
+                              <p:cond delay="0"/>
+                            </p:stCondLst>
+                            <p:childTnLst>
+                              <p:par>
+                                <p:cTn id="5" presetID="10" presetClass="entr" presetSubtype="0" fill="hold" grpId="0" nodeType="clickEffect">
+                                  <p:stCondLst>
+                                    <p:cond delay="0"/>
+                                  </p:stCondLst>
+                                  <p:childTnLst>
+                                    <p:set>
+                                      <p:cBhvr>
+                                        <p:cTn id="6" dur="1" fill="hold">
+                                          <p:stCondLst>
+                                            <p:cond delay="0"/>
+                                          </p:stCondLst>
+                                        </p:cTn>
+                                        <p:tgtEl>
+                                          <p:spTgt spid="3">
+                                            <p:txEl>
+                                              <p:pRg st="0" end="0"/>
+                                            </p:txEl>
+                                          </p:spTgt>
+                                        </p:tgtEl>
+                                        <p:attrNameLst>
+                                          <p:attrName>style.visibility</p:attrName>
+                                        </p:attrNameLst>
+                                      </p:cBhvr>
+                                      <p:to>
+                                        <p:strVal val="visible"/>
+                                      </p:to>
+                                    </p:set>
+                                    <p:animEffect transition="in" filter="fade">
+                                      <p:cBhvr>
+                                        <p:cTn id="7" dur="500"/>
+                                        <p:tgtEl>
+                                          <p:spTgt spid="3">
+                                            <p:txEl>
+                                              <p:pRg st="0" end="0"/>
+                                            </p:txEl>
+                                          </p:spTgt>
+                                        </p:tgtEl>
+                                      </p:cBhvr>
+                                    </p:animEffect>
+                                  </p:childTnLst>
+                                </p:cTn>
+                              </p:par>
+                            </p:childTnLst>
+                          </p:cTn>
+                        </p:par>
+                      </p:childTnLst>
+                    </p:cTn>
+                  </p:par>
+                  <p:par>
+                    <p:cTn id="8" fill="hold">
+                      <p:stCondLst>
+                        <p:cond delay="indefinite"/>
+                      </p:stCondLst>
+                      <p:childTnLst>
+                        <p:par>
+                          <p:cTn id="9" fill="hold">
+                            <p:stCondLst>
+                              <p:cond delay="0"/>
+                            </p:stCondLst>
+                            <p:childTnLst>
+                              <p:par>
+                                <p:cTn id="10" presetID="10" presetClass="entr" presetSubtype="0" fill="hold" grpId="0" nodeType="clickEffect">
+                                  <p:stCondLst>
+                                    <p:cond delay="0"/>
+                                  </p:stCondLst>
+                                  <p:childTnLst>
+                                    <p:set>
+                                      <p:cBhvr>
+                                        <p:cTn id="11" dur="1" fill="hold">
+                                          <p:stCondLst>
+                                            <p:cond delay="0"/>
+                                          </p:stCondLst>
+                                        </p:cTn>
+                                        <p:tgtEl>
+                                          <p:spTgt spid="3">
+                                            <p:txEl>
+                                              <p:pRg st="1" end="1"/>
+                                            </p:txEl>
+                                          </p:spTgt>
+                                        </p:tgtEl>
+                                        <p:attrNameLst>
+                                          <p:attrName>style.visibility</p:attrName>
+                                        </p:attrNameLst>
+                                      </p:cBhvr>
+                                      <p:to>
+                                        <p:strVal val="visible"/>
+                                      </p:to>
+                                    </p:set>
+                                    <p:animEffect transition="in" filter="fade">
+                                      <p:cBhvr>
+                                        <p:cTn id="12" dur="500"/>
+                                        <p:tgtEl>
+                                          <p:spTgt spid="3">
+                                            <p:txEl>
+                                              <p:pRg st="1" end="1"/>
+                                            </p:txEl>
+                                          </p:spTgt>
+                                        </p:tgtEl>
+                                      </p:cBhvr>
+                                    </p:animEffect>
+                                  </p:childTnLst>
+                                </p:cTn>
+                              </p:par>
+                            </p:childTnLst>
+                          </p:cTn>
+                        </p:par>
+                      </p:childTnLst>
+                    </p:cTn>
+                  </p:par>
+                  <p:par>
+                    <p:cTn id="13" fill="hold">
+                      <p:stCondLst>
+                        <p:cond delay="indefinite"/>
+                      </p:stCondLst>
+                      <p:childTnLst>
+                        <p:par>
+                          <p:cTn id="14" fill="hold">
+                            <p:stCondLst>
+                              <p:cond delay="0"/>
+                            </p:stCondLst>
+                            <p:childTnLst>
+                              <p:par>
+                                <p:cTn id="15" presetID="10" presetClass="entr" presetSubtype="0" fill="hold" grpId="0" nodeType="clickEffect">
+                                  <p:stCondLst>
+                                    <p:cond delay="0"/>
+                                  </p:stCondLst>
+                                  <p:childTnLst>
+                                    <p:set>
+                                      <p:cBhvr>
+                                        <p:cTn id="16" dur="1" fill="hold">
+                                          <p:stCondLst>
+                                            <p:cond delay="0"/>
+                                          </p:stCondLst>
+                                        </p:cTn>
+                                        <p:tgtEl>
+                                          <p:spTgt spid="3">
+                                            <p:txEl>
+                                              <p:pRg st="2" end="2"/>
+                                            </p:txEl>
+                                          </p:spTgt>
+                                        </p:tgtEl>
+                                        <p:attrNameLst>
+                                          <p:attrName>style.visibility</p:attrName>
+                                        </p:attrNameLst>
+                                      </p:cBhvr>
+                                      <p:to>
+                                        <p:strVal val="visible"/>
+                                      </p:to>
+                                    </p:set>
+                                    <p:animEffect transition="in" filter="fade">
+                                      <p:cBhvr>
+                                        <p:cTn id="17" dur="500"/>
+                                        <p:tgtEl>
+                                          <p:spTgt spid="3">
+                                            <p:txEl>
+                                              <p:pRg st="2" end="2"/>
+                                            </p:txEl>
+                                          </p:spTgt>
+                                        </p:tgtEl>
+                                      </p:cBhvr>
+                                    </p:animEffect>
+                                  </p:childTnLst>
+                                </p:cTn>
+                              </p:par>
+                            </p:childTnLst>
+                          </p:cTn>
+                        </p:par>
+                      </p:childTnLst>
+                    </p:cTn>
+                  </p:par>
+                  <p:par>
+                    <p:cTn id="18" fill="hold">
+                      <p:stCondLst>
+                        <p:cond delay="indefinite"/>
+                      </p:stCondLst>
+                      <p:childTnLst>
+                        <p:par>
+                          <p:cTn id="19" fill="hold">
+                            <p:stCondLst>
+                              <p:cond delay="0"/>
+                            </p:stCondLst>
+                            <p:childTnLst>
+                              <p:par>
+                                <p:cTn id="20" presetID="10" presetClass="entr" presetSubtype="0" fill="hold" grpId="0" nodeType="clickEffect">
+                                  <p:stCondLst>
+                                    <p:cond delay="0"/>
+                                  </p:stCondLst>
+                                  <p:childTnLst>
+                                    <p:set>
+                                      <p:cBhvr>
+                                        <p:cTn id="21" dur="1" fill="hold">
+                                          <p:stCondLst>
+                                            <p:cond delay="0"/>
+                                          </p:stCondLst>
+                                        </p:cTn>
+                                        <p:tgtEl>
+                                          <p:spTgt spid="3">
+                                            <p:txEl>
+                                              <p:pRg st="3" end="3"/>
+                                            </p:txEl>
+                                          </p:spTgt>
+                                        </p:tgtEl>
+                                        <p:attrNameLst>
+                                          <p:attrName>style.visibility</p:attrName>
+                                        </p:attrNameLst>
+                                      </p:cBhvr>
+                                      <p:to>
+                                        <p:strVal val="visible"/>
+                                      </p:to>
+                                    </p:set>
+                                    <p:animEffect transition="in" filter="fade">
+                                      <p:cBhvr>
+                                        <p:cTn id="22" dur="500"/>
+                                        <p:tgtEl>
+                                          <p:spTgt spid="3">
+                                            <p:txEl>
+                                              <p:pRg st="3" end="3"/>
+                                            </p:txEl>
+                                          </p:spTgt>
+                                        </p:tgtEl>
+                                      </p:cBhvr>
+                                    </p:animEffect>
+                                  </p:childTnLst>
+                                </p:cTn>
+                              </p:par>
+                            </p:childTnLst>
+                          </p:cTn>
+                        </p:par>
+                      </p:childTnLst>
+                    </p:cTn>
+                  </p:par>
+                </p:childTnLst>
+              </p:cTn>
+              <p:prevCondLst>
+                <p:cond evt="onPrev" delay="0">
+                  <p:tgtEl>
+                    <p:sldTgt/>
+                  </p:tgtEl>
+                </p:cond>
+              </p:prevCondLst>
+              <p:nextCondLst>
+                <p:cond evt="onNext" delay="0">
+                  <p:tgtEl>
+                    <p:sldTgt/>
+                  </p:tgtEl>
+                </p:cond>
+              </p:nextCondLst>
+            </p:seq>
+          </p:childTnLst>
+        </p:cTn>
       </p:par>
     </p:tnLst>
+    <p:bldLst>
+      <p:bldP spid="3" grpId="0" build="p"/>
+    </p:bldLst>
   </p:timing>
 </p:sld>
 </file>
@@ -4918,9 +8301,451 @@
   <p:timing>
     <p:tnLst>
       <p:par>
-        <p:cTn id="1" dur="indefinite" restart="never" nodeType="tmRoot"/>
+        <p:cTn id="1" dur="indefinite" restart="never" nodeType="tmRoot">
+          <p:childTnLst>
+            <p:seq concurrent="1" nextAc="seek">
+              <p:cTn id="2" dur="indefinite" nodeType="mainSeq">
+                <p:childTnLst>
+                  <p:par>
+                    <p:cTn id="3" fill="hold">
+                      <p:stCondLst>
+                        <p:cond delay="indefinite"/>
+                      </p:stCondLst>
+                      <p:childTnLst>
+                        <p:par>
+                          <p:cTn id="4" fill="hold">
+                            <p:stCondLst>
+                              <p:cond delay="0"/>
+                            </p:stCondLst>
+                            <p:childTnLst>
+                              <p:par>
+                                <p:cTn id="5" presetID="10" presetClass="entr" presetSubtype="0" fill="hold" grpId="0" nodeType="clickEffect">
+                                  <p:stCondLst>
+                                    <p:cond delay="0"/>
+                                  </p:stCondLst>
+                                  <p:childTnLst>
+                                    <p:set>
+                                      <p:cBhvr>
+                                        <p:cTn id="6" dur="1" fill="hold">
+                                          <p:stCondLst>
+                                            <p:cond delay="0"/>
+                                          </p:stCondLst>
+                                        </p:cTn>
+                                        <p:tgtEl>
+                                          <p:spTgt spid="3">
+                                            <p:txEl>
+                                              <p:pRg st="0" end="0"/>
+                                            </p:txEl>
+                                          </p:spTgt>
+                                        </p:tgtEl>
+                                        <p:attrNameLst>
+                                          <p:attrName>style.visibility</p:attrName>
+                                        </p:attrNameLst>
+                                      </p:cBhvr>
+                                      <p:to>
+                                        <p:strVal val="visible"/>
+                                      </p:to>
+                                    </p:set>
+                                    <p:animEffect transition="in" filter="fade">
+                                      <p:cBhvr>
+                                        <p:cTn id="7" dur="500"/>
+                                        <p:tgtEl>
+                                          <p:spTgt spid="3">
+                                            <p:txEl>
+                                              <p:pRg st="0" end="0"/>
+                                            </p:txEl>
+                                          </p:spTgt>
+                                        </p:tgtEl>
+                                      </p:cBhvr>
+                                    </p:animEffect>
+                                  </p:childTnLst>
+                                </p:cTn>
+                              </p:par>
+                              <p:par>
+                                <p:cTn id="8" presetID="10" presetClass="entr" presetSubtype="0" fill="hold" grpId="0" nodeType="withEffect">
+                                  <p:stCondLst>
+                                    <p:cond delay="0"/>
+                                  </p:stCondLst>
+                                  <p:childTnLst>
+                                    <p:set>
+                                      <p:cBhvr>
+                                        <p:cTn id="9" dur="1" fill="hold">
+                                          <p:stCondLst>
+                                            <p:cond delay="0"/>
+                                          </p:stCondLst>
+                                        </p:cTn>
+                                        <p:tgtEl>
+                                          <p:spTgt spid="3">
+                                            <p:txEl>
+                                              <p:pRg st="1" end="1"/>
+                                            </p:txEl>
+                                          </p:spTgt>
+                                        </p:tgtEl>
+                                        <p:attrNameLst>
+                                          <p:attrName>style.visibility</p:attrName>
+                                        </p:attrNameLst>
+                                      </p:cBhvr>
+                                      <p:to>
+                                        <p:strVal val="visible"/>
+                                      </p:to>
+                                    </p:set>
+                                    <p:animEffect transition="in" filter="fade">
+                                      <p:cBhvr>
+                                        <p:cTn id="10" dur="500"/>
+                                        <p:tgtEl>
+                                          <p:spTgt spid="3">
+                                            <p:txEl>
+                                              <p:pRg st="1" end="1"/>
+                                            </p:txEl>
+                                          </p:spTgt>
+                                        </p:tgtEl>
+                                      </p:cBhvr>
+                                    </p:animEffect>
+                                  </p:childTnLst>
+                                </p:cTn>
+                              </p:par>
+                            </p:childTnLst>
+                          </p:cTn>
+                        </p:par>
+                      </p:childTnLst>
+                    </p:cTn>
+                  </p:par>
+                  <p:par>
+                    <p:cTn id="11" fill="hold">
+                      <p:stCondLst>
+                        <p:cond delay="indefinite"/>
+                      </p:stCondLst>
+                      <p:childTnLst>
+                        <p:par>
+                          <p:cTn id="12" fill="hold">
+                            <p:stCondLst>
+                              <p:cond delay="0"/>
+                            </p:stCondLst>
+                            <p:childTnLst>
+                              <p:par>
+                                <p:cTn id="13" presetID="10" presetClass="entr" presetSubtype="0" fill="hold" grpId="0" nodeType="clickEffect">
+                                  <p:stCondLst>
+                                    <p:cond delay="0"/>
+                                  </p:stCondLst>
+                                  <p:childTnLst>
+                                    <p:set>
+                                      <p:cBhvr>
+                                        <p:cTn id="14" dur="1" fill="hold">
+                                          <p:stCondLst>
+                                            <p:cond delay="0"/>
+                                          </p:stCondLst>
+                                        </p:cTn>
+                                        <p:tgtEl>
+                                          <p:spTgt spid="3">
+                                            <p:txEl>
+                                              <p:pRg st="2" end="2"/>
+                                            </p:txEl>
+                                          </p:spTgt>
+                                        </p:tgtEl>
+                                        <p:attrNameLst>
+                                          <p:attrName>style.visibility</p:attrName>
+                                        </p:attrNameLst>
+                                      </p:cBhvr>
+                                      <p:to>
+                                        <p:strVal val="visible"/>
+                                      </p:to>
+                                    </p:set>
+                                    <p:animEffect transition="in" filter="fade">
+                                      <p:cBhvr>
+                                        <p:cTn id="15" dur="500"/>
+                                        <p:tgtEl>
+                                          <p:spTgt spid="3">
+                                            <p:txEl>
+                                              <p:pRg st="2" end="2"/>
+                                            </p:txEl>
+                                          </p:spTgt>
+                                        </p:tgtEl>
+                                      </p:cBhvr>
+                                    </p:animEffect>
+                                  </p:childTnLst>
+                                </p:cTn>
+                              </p:par>
+                              <p:par>
+                                <p:cTn id="16" presetID="10" presetClass="entr" presetSubtype="0" fill="hold" grpId="0" nodeType="withEffect">
+                                  <p:stCondLst>
+                                    <p:cond delay="0"/>
+                                  </p:stCondLst>
+                                  <p:childTnLst>
+                                    <p:set>
+                                      <p:cBhvr>
+                                        <p:cTn id="17" dur="1" fill="hold">
+                                          <p:stCondLst>
+                                            <p:cond delay="0"/>
+                                          </p:stCondLst>
+                                        </p:cTn>
+                                        <p:tgtEl>
+                                          <p:spTgt spid="3">
+                                            <p:txEl>
+                                              <p:pRg st="3" end="3"/>
+                                            </p:txEl>
+                                          </p:spTgt>
+                                        </p:tgtEl>
+                                        <p:attrNameLst>
+                                          <p:attrName>style.visibility</p:attrName>
+                                        </p:attrNameLst>
+                                      </p:cBhvr>
+                                      <p:to>
+                                        <p:strVal val="visible"/>
+                                      </p:to>
+                                    </p:set>
+                                    <p:animEffect transition="in" filter="fade">
+                                      <p:cBhvr>
+                                        <p:cTn id="18" dur="500"/>
+                                        <p:tgtEl>
+                                          <p:spTgt spid="3">
+                                            <p:txEl>
+                                              <p:pRg st="3" end="3"/>
+                                            </p:txEl>
+                                          </p:spTgt>
+                                        </p:tgtEl>
+                                      </p:cBhvr>
+                                    </p:animEffect>
+                                  </p:childTnLst>
+                                </p:cTn>
+                              </p:par>
+                            </p:childTnLst>
+                          </p:cTn>
+                        </p:par>
+                      </p:childTnLst>
+                    </p:cTn>
+                  </p:par>
+                  <p:par>
+                    <p:cTn id="19" fill="hold">
+                      <p:stCondLst>
+                        <p:cond delay="indefinite"/>
+                      </p:stCondLst>
+                      <p:childTnLst>
+                        <p:par>
+                          <p:cTn id="20" fill="hold">
+                            <p:stCondLst>
+                              <p:cond delay="0"/>
+                            </p:stCondLst>
+                            <p:childTnLst>
+                              <p:par>
+                                <p:cTn id="21" presetID="10" presetClass="entr" presetSubtype="0" fill="hold" grpId="0" nodeType="clickEffect">
+                                  <p:stCondLst>
+                                    <p:cond delay="0"/>
+                                  </p:stCondLst>
+                                  <p:childTnLst>
+                                    <p:set>
+                                      <p:cBhvr>
+                                        <p:cTn id="22" dur="1" fill="hold">
+                                          <p:stCondLst>
+                                            <p:cond delay="0"/>
+                                          </p:stCondLst>
+                                        </p:cTn>
+                                        <p:tgtEl>
+                                          <p:spTgt spid="3">
+                                            <p:txEl>
+                                              <p:pRg st="4" end="4"/>
+                                            </p:txEl>
+                                          </p:spTgt>
+                                        </p:tgtEl>
+                                        <p:attrNameLst>
+                                          <p:attrName>style.visibility</p:attrName>
+                                        </p:attrNameLst>
+                                      </p:cBhvr>
+                                      <p:to>
+                                        <p:strVal val="visible"/>
+                                      </p:to>
+                                    </p:set>
+                                    <p:animEffect transition="in" filter="fade">
+                                      <p:cBhvr>
+                                        <p:cTn id="23" dur="500"/>
+                                        <p:tgtEl>
+                                          <p:spTgt spid="3">
+                                            <p:txEl>
+                                              <p:pRg st="4" end="4"/>
+                                            </p:txEl>
+                                          </p:spTgt>
+                                        </p:tgtEl>
+                                      </p:cBhvr>
+                                    </p:animEffect>
+                                  </p:childTnLst>
+                                </p:cTn>
+                              </p:par>
+                              <p:par>
+                                <p:cTn id="24" presetID="10" presetClass="entr" presetSubtype="0" fill="hold" grpId="0" nodeType="withEffect">
+                                  <p:stCondLst>
+                                    <p:cond delay="0"/>
+                                  </p:stCondLst>
+                                  <p:childTnLst>
+                                    <p:set>
+                                      <p:cBhvr>
+                                        <p:cTn id="25" dur="1" fill="hold">
+                                          <p:stCondLst>
+                                            <p:cond delay="0"/>
+                                          </p:stCondLst>
+                                        </p:cTn>
+                                        <p:tgtEl>
+                                          <p:spTgt spid="3">
+                                            <p:txEl>
+                                              <p:pRg st="5" end="5"/>
+                                            </p:txEl>
+                                          </p:spTgt>
+                                        </p:tgtEl>
+                                        <p:attrNameLst>
+                                          <p:attrName>style.visibility</p:attrName>
+                                        </p:attrNameLst>
+                                      </p:cBhvr>
+                                      <p:to>
+                                        <p:strVal val="visible"/>
+                                      </p:to>
+                                    </p:set>
+                                    <p:animEffect transition="in" filter="fade">
+                                      <p:cBhvr>
+                                        <p:cTn id="26" dur="500"/>
+                                        <p:tgtEl>
+                                          <p:spTgt spid="3">
+                                            <p:txEl>
+                                              <p:pRg st="5" end="5"/>
+                                            </p:txEl>
+                                          </p:spTgt>
+                                        </p:tgtEl>
+                                      </p:cBhvr>
+                                    </p:animEffect>
+                                  </p:childTnLst>
+                                </p:cTn>
+                              </p:par>
+                            </p:childTnLst>
+                          </p:cTn>
+                        </p:par>
+                      </p:childTnLst>
+                    </p:cTn>
+                  </p:par>
+                  <p:par>
+                    <p:cTn id="27" fill="hold">
+                      <p:stCondLst>
+                        <p:cond delay="indefinite"/>
+                      </p:stCondLst>
+                      <p:childTnLst>
+                        <p:par>
+                          <p:cTn id="28" fill="hold">
+                            <p:stCondLst>
+                              <p:cond delay="0"/>
+                            </p:stCondLst>
+                            <p:childTnLst>
+                              <p:par>
+                                <p:cTn id="29" presetID="10" presetClass="entr" presetSubtype="0" fill="hold" grpId="0" nodeType="clickEffect">
+                                  <p:stCondLst>
+                                    <p:cond delay="0"/>
+                                  </p:stCondLst>
+                                  <p:childTnLst>
+                                    <p:set>
+                                      <p:cBhvr>
+                                        <p:cTn id="30" dur="1" fill="hold">
+                                          <p:stCondLst>
+                                            <p:cond delay="0"/>
+                                          </p:stCondLst>
+                                        </p:cTn>
+                                        <p:tgtEl>
+                                          <p:spTgt spid="3">
+                                            <p:txEl>
+                                              <p:pRg st="6" end="6"/>
+                                            </p:txEl>
+                                          </p:spTgt>
+                                        </p:tgtEl>
+                                        <p:attrNameLst>
+                                          <p:attrName>style.visibility</p:attrName>
+                                        </p:attrNameLst>
+                                      </p:cBhvr>
+                                      <p:to>
+                                        <p:strVal val="visible"/>
+                                      </p:to>
+                                    </p:set>
+                                    <p:animEffect transition="in" filter="fade">
+                                      <p:cBhvr>
+                                        <p:cTn id="31" dur="500"/>
+                                        <p:tgtEl>
+                                          <p:spTgt spid="3">
+                                            <p:txEl>
+                                              <p:pRg st="6" end="6"/>
+                                            </p:txEl>
+                                          </p:spTgt>
+                                        </p:tgtEl>
+                                      </p:cBhvr>
+                                    </p:animEffect>
+                                  </p:childTnLst>
+                                </p:cTn>
+                              </p:par>
+                              <p:par>
+                                <p:cTn id="32" presetID="10" presetClass="entr" presetSubtype="0" fill="hold" grpId="0" nodeType="withEffect">
+                                  <p:stCondLst>
+                                    <p:cond delay="0"/>
+                                  </p:stCondLst>
+                                  <p:childTnLst>
+                                    <p:set>
+                                      <p:cBhvr>
+                                        <p:cTn id="33" dur="1" fill="hold">
+                                          <p:stCondLst>
+                                            <p:cond delay="0"/>
+                                          </p:stCondLst>
+                                        </p:cTn>
+                                        <p:tgtEl>
+                                          <p:spTgt spid="3">
+                                            <p:txEl>
+                                              <p:pRg st="7" end="7"/>
+                                            </p:txEl>
+                                          </p:spTgt>
+                                        </p:tgtEl>
+                                        <p:attrNameLst>
+                                          <p:attrName>style.visibility</p:attrName>
+                                        </p:attrNameLst>
+                                      </p:cBhvr>
+                                      <p:to>
+                                        <p:strVal val="visible"/>
+                                      </p:to>
+                                    </p:set>
+                                    <p:animEffect transition="in" filter="fade">
+                                      <p:cBhvr>
+                                        <p:cTn id="34" dur="500"/>
+                                        <p:tgtEl>
+                                          <p:spTgt spid="3">
+                                            <p:txEl>
+                                              <p:pRg st="7" end="7"/>
+                                            </p:txEl>
+                                          </p:spTgt>
+                                        </p:tgtEl>
+                                      </p:cBhvr>
+                                    </p:animEffect>
+                                  </p:childTnLst>
+                                </p:cTn>
+                              </p:par>
+                            </p:childTnLst>
+                          </p:cTn>
+                        </p:par>
+                      </p:childTnLst>
+                    </p:cTn>
+                  </p:par>
+                </p:childTnLst>
+              </p:cTn>
+              <p:prevCondLst>
+                <p:cond evt="onPrev" delay="0">
+                  <p:tgtEl>
+                    <p:sldTgt/>
+                  </p:tgtEl>
+                </p:cond>
+              </p:prevCondLst>
+              <p:nextCondLst>
+                <p:cond evt="onNext" delay="0">
+                  <p:tgtEl>
+                    <p:sldTgt/>
+                  </p:tgtEl>
+                </p:cond>
+              </p:nextCondLst>
+            </p:seq>
+          </p:childTnLst>
+        </p:cTn>
       </p:par>
     </p:tnLst>
+    <p:bldLst>
+      <p:bldP spid="3" grpId="0" build="p"/>
+    </p:bldLst>
   </p:timing>
 </p:sld>
 </file>
@@ -5094,9 +8919,645 @@
   <p:timing>
     <p:tnLst>
       <p:par>
-        <p:cTn id="1" dur="indefinite" restart="never" nodeType="tmRoot"/>
+        <p:cTn id="1" dur="indefinite" restart="never" nodeType="tmRoot">
+          <p:childTnLst>
+            <p:seq concurrent="1" nextAc="seek">
+              <p:cTn id="2" dur="indefinite" nodeType="mainSeq">
+                <p:childTnLst>
+                  <p:par>
+                    <p:cTn id="3" fill="hold">
+                      <p:stCondLst>
+                        <p:cond delay="indefinite"/>
+                      </p:stCondLst>
+                      <p:childTnLst>
+                        <p:par>
+                          <p:cTn id="4" fill="hold">
+                            <p:stCondLst>
+                              <p:cond delay="0"/>
+                            </p:stCondLst>
+                            <p:childTnLst>
+                              <p:par>
+                                <p:cTn id="5" presetID="10" presetClass="entr" presetSubtype="0" fill="hold" grpId="0" nodeType="clickEffect">
+                                  <p:stCondLst>
+                                    <p:cond delay="0"/>
+                                  </p:stCondLst>
+                                  <p:childTnLst>
+                                    <p:set>
+                                      <p:cBhvr>
+                                        <p:cTn id="6" dur="1" fill="hold">
+                                          <p:stCondLst>
+                                            <p:cond delay="0"/>
+                                          </p:stCondLst>
+                                        </p:cTn>
+                                        <p:tgtEl>
+                                          <p:spTgt spid="3">
+                                            <p:txEl>
+                                              <p:pRg st="0" end="0"/>
+                                            </p:txEl>
+                                          </p:spTgt>
+                                        </p:tgtEl>
+                                        <p:attrNameLst>
+                                          <p:attrName>style.visibility</p:attrName>
+                                        </p:attrNameLst>
+                                      </p:cBhvr>
+                                      <p:to>
+                                        <p:strVal val="visible"/>
+                                      </p:to>
+                                    </p:set>
+                                    <p:animEffect transition="in" filter="fade">
+                                      <p:cBhvr>
+                                        <p:cTn id="7" dur="500"/>
+                                        <p:tgtEl>
+                                          <p:spTgt spid="3">
+                                            <p:txEl>
+                                              <p:pRg st="0" end="0"/>
+                                            </p:txEl>
+                                          </p:spTgt>
+                                        </p:tgtEl>
+                                      </p:cBhvr>
+                                    </p:animEffect>
+                                  </p:childTnLst>
+                                </p:cTn>
+                              </p:par>
+                            </p:childTnLst>
+                          </p:cTn>
+                        </p:par>
+                      </p:childTnLst>
+                    </p:cTn>
+                  </p:par>
+                  <p:par>
+                    <p:cTn id="8" fill="hold">
+                      <p:stCondLst>
+                        <p:cond delay="indefinite"/>
+                      </p:stCondLst>
+                      <p:childTnLst>
+                        <p:par>
+                          <p:cTn id="9" fill="hold">
+                            <p:stCondLst>
+                              <p:cond delay="0"/>
+                            </p:stCondLst>
+                            <p:childTnLst>
+                              <p:par>
+                                <p:cTn id="10" presetID="10" presetClass="entr" presetSubtype="0" fill="hold" grpId="0" nodeType="clickEffect">
+                                  <p:stCondLst>
+                                    <p:cond delay="0"/>
+                                  </p:stCondLst>
+                                  <p:childTnLst>
+                                    <p:set>
+                                      <p:cBhvr>
+                                        <p:cTn id="11" dur="1" fill="hold">
+                                          <p:stCondLst>
+                                            <p:cond delay="0"/>
+                                          </p:stCondLst>
+                                        </p:cTn>
+                                        <p:tgtEl>
+                                          <p:spTgt spid="3">
+                                            <p:txEl>
+                                              <p:pRg st="1" end="1"/>
+                                            </p:txEl>
+                                          </p:spTgt>
+                                        </p:tgtEl>
+                                        <p:attrNameLst>
+                                          <p:attrName>style.visibility</p:attrName>
+                                        </p:attrNameLst>
+                                      </p:cBhvr>
+                                      <p:to>
+                                        <p:strVal val="visible"/>
+                                      </p:to>
+                                    </p:set>
+                                    <p:animEffect transition="in" filter="fade">
+                                      <p:cBhvr>
+                                        <p:cTn id="12" dur="500"/>
+                                        <p:tgtEl>
+                                          <p:spTgt spid="3">
+                                            <p:txEl>
+                                              <p:pRg st="1" end="1"/>
+                                            </p:txEl>
+                                          </p:spTgt>
+                                        </p:tgtEl>
+                                      </p:cBhvr>
+                                    </p:animEffect>
+                                  </p:childTnLst>
+                                </p:cTn>
+                              </p:par>
+                            </p:childTnLst>
+                          </p:cTn>
+                        </p:par>
+                      </p:childTnLst>
+                    </p:cTn>
+                  </p:par>
+                  <p:par>
+                    <p:cTn id="13" fill="hold">
+                      <p:stCondLst>
+                        <p:cond delay="indefinite"/>
+                      </p:stCondLst>
+                      <p:childTnLst>
+                        <p:par>
+                          <p:cTn id="14" fill="hold">
+                            <p:stCondLst>
+                              <p:cond delay="0"/>
+                            </p:stCondLst>
+                            <p:childTnLst>
+                              <p:par>
+                                <p:cTn id="15" presetID="10" presetClass="entr" presetSubtype="0" fill="hold" grpId="0" nodeType="clickEffect">
+                                  <p:stCondLst>
+                                    <p:cond delay="0"/>
+                                  </p:stCondLst>
+                                  <p:childTnLst>
+                                    <p:set>
+                                      <p:cBhvr>
+                                        <p:cTn id="16" dur="1" fill="hold">
+                                          <p:stCondLst>
+                                            <p:cond delay="0"/>
+                                          </p:stCondLst>
+                                        </p:cTn>
+                                        <p:tgtEl>
+                                          <p:spTgt spid="3">
+                                            <p:txEl>
+                                              <p:pRg st="2" end="2"/>
+                                            </p:txEl>
+                                          </p:spTgt>
+                                        </p:tgtEl>
+                                        <p:attrNameLst>
+                                          <p:attrName>style.visibility</p:attrName>
+                                        </p:attrNameLst>
+                                      </p:cBhvr>
+                                      <p:to>
+                                        <p:strVal val="visible"/>
+                                      </p:to>
+                                    </p:set>
+                                    <p:animEffect transition="in" filter="fade">
+                                      <p:cBhvr>
+                                        <p:cTn id="17" dur="500"/>
+                                        <p:tgtEl>
+                                          <p:spTgt spid="3">
+                                            <p:txEl>
+                                              <p:pRg st="2" end="2"/>
+                                            </p:txEl>
+                                          </p:spTgt>
+                                        </p:tgtEl>
+                                      </p:cBhvr>
+                                    </p:animEffect>
+                                  </p:childTnLst>
+                                </p:cTn>
+                              </p:par>
+                            </p:childTnLst>
+                          </p:cTn>
+                        </p:par>
+                      </p:childTnLst>
+                    </p:cTn>
+                  </p:par>
+                  <p:par>
+                    <p:cTn id="18" fill="hold">
+                      <p:stCondLst>
+                        <p:cond delay="indefinite"/>
+                      </p:stCondLst>
+                      <p:childTnLst>
+                        <p:par>
+                          <p:cTn id="19" fill="hold">
+                            <p:stCondLst>
+                              <p:cond delay="0"/>
+                            </p:stCondLst>
+                            <p:childTnLst>
+                              <p:par>
+                                <p:cTn id="20" presetID="10" presetClass="entr" presetSubtype="0" fill="hold" grpId="0" nodeType="clickEffect">
+                                  <p:stCondLst>
+                                    <p:cond delay="0"/>
+                                  </p:stCondLst>
+                                  <p:childTnLst>
+                                    <p:set>
+                                      <p:cBhvr>
+                                        <p:cTn id="21" dur="1" fill="hold">
+                                          <p:stCondLst>
+                                            <p:cond delay="0"/>
+                                          </p:stCondLst>
+                                        </p:cTn>
+                                        <p:tgtEl>
+                                          <p:spTgt spid="3">
+                                            <p:txEl>
+                                              <p:pRg st="3" end="3"/>
+                                            </p:txEl>
+                                          </p:spTgt>
+                                        </p:tgtEl>
+                                        <p:attrNameLst>
+                                          <p:attrName>style.visibility</p:attrName>
+                                        </p:attrNameLst>
+                                      </p:cBhvr>
+                                      <p:to>
+                                        <p:strVal val="visible"/>
+                                      </p:to>
+                                    </p:set>
+                                    <p:animEffect transition="in" filter="fade">
+                                      <p:cBhvr>
+                                        <p:cTn id="22" dur="500"/>
+                                        <p:tgtEl>
+                                          <p:spTgt spid="3">
+                                            <p:txEl>
+                                              <p:pRg st="3" end="3"/>
+                                            </p:txEl>
+                                          </p:spTgt>
+                                        </p:tgtEl>
+                                      </p:cBhvr>
+                                    </p:animEffect>
+                                  </p:childTnLst>
+                                </p:cTn>
+                              </p:par>
+                            </p:childTnLst>
+                          </p:cTn>
+                        </p:par>
+                      </p:childTnLst>
+                    </p:cTn>
+                  </p:par>
+                  <p:par>
+                    <p:cTn id="23" fill="hold">
+                      <p:stCondLst>
+                        <p:cond delay="indefinite"/>
+                      </p:stCondLst>
+                      <p:childTnLst>
+                        <p:par>
+                          <p:cTn id="24" fill="hold">
+                            <p:stCondLst>
+                              <p:cond delay="0"/>
+                            </p:stCondLst>
+                            <p:childTnLst>
+                              <p:par>
+                                <p:cTn id="25" presetID="10" presetClass="entr" presetSubtype="0" fill="hold" grpId="0" nodeType="clickEffect">
+                                  <p:stCondLst>
+                                    <p:cond delay="0"/>
+                                  </p:stCondLst>
+                                  <p:childTnLst>
+                                    <p:set>
+                                      <p:cBhvr>
+                                        <p:cTn id="26" dur="1" fill="hold">
+                                          <p:stCondLst>
+                                            <p:cond delay="0"/>
+                                          </p:stCondLst>
+                                        </p:cTn>
+                                        <p:tgtEl>
+                                          <p:spTgt spid="3">
+                                            <p:txEl>
+                                              <p:pRg st="4" end="4"/>
+                                            </p:txEl>
+                                          </p:spTgt>
+                                        </p:tgtEl>
+                                        <p:attrNameLst>
+                                          <p:attrName>style.visibility</p:attrName>
+                                        </p:attrNameLst>
+                                      </p:cBhvr>
+                                      <p:to>
+                                        <p:strVal val="visible"/>
+                                      </p:to>
+                                    </p:set>
+                                    <p:animEffect transition="in" filter="fade">
+                                      <p:cBhvr>
+                                        <p:cTn id="27" dur="500"/>
+                                        <p:tgtEl>
+                                          <p:spTgt spid="3">
+                                            <p:txEl>
+                                              <p:pRg st="4" end="4"/>
+                                            </p:txEl>
+                                          </p:spTgt>
+                                        </p:tgtEl>
+                                      </p:cBhvr>
+                                    </p:animEffect>
+                                  </p:childTnLst>
+                                </p:cTn>
+                              </p:par>
+                            </p:childTnLst>
+                          </p:cTn>
+                        </p:par>
+                      </p:childTnLst>
+                    </p:cTn>
+                  </p:par>
+                  <p:par>
+                    <p:cTn id="28" fill="hold">
+                      <p:stCondLst>
+                        <p:cond delay="indefinite"/>
+                      </p:stCondLst>
+                      <p:childTnLst>
+                        <p:par>
+                          <p:cTn id="29" fill="hold">
+                            <p:stCondLst>
+                              <p:cond delay="0"/>
+                            </p:stCondLst>
+                            <p:childTnLst>
+                              <p:par>
+                                <p:cTn id="30" presetID="10" presetClass="entr" presetSubtype="0" fill="hold" grpId="0" nodeType="clickEffect">
+                                  <p:stCondLst>
+                                    <p:cond delay="0"/>
+                                  </p:stCondLst>
+                                  <p:childTnLst>
+                                    <p:set>
+                                      <p:cBhvr>
+                                        <p:cTn id="31" dur="1" fill="hold">
+                                          <p:stCondLst>
+                                            <p:cond delay="0"/>
+                                          </p:stCondLst>
+                                        </p:cTn>
+                                        <p:tgtEl>
+                                          <p:spTgt spid="3">
+                                            <p:txEl>
+                                              <p:pRg st="5" end="5"/>
+                                            </p:txEl>
+                                          </p:spTgt>
+                                        </p:tgtEl>
+                                        <p:attrNameLst>
+                                          <p:attrName>style.visibility</p:attrName>
+                                        </p:attrNameLst>
+                                      </p:cBhvr>
+                                      <p:to>
+                                        <p:strVal val="visible"/>
+                                      </p:to>
+                                    </p:set>
+                                    <p:animEffect transition="in" filter="fade">
+                                      <p:cBhvr>
+                                        <p:cTn id="32" dur="500"/>
+                                        <p:tgtEl>
+                                          <p:spTgt spid="3">
+                                            <p:txEl>
+                                              <p:pRg st="5" end="5"/>
+                                            </p:txEl>
+                                          </p:spTgt>
+                                        </p:tgtEl>
+                                      </p:cBhvr>
+                                    </p:animEffect>
+                                  </p:childTnLst>
+                                </p:cTn>
+                              </p:par>
+                            </p:childTnLst>
+                          </p:cTn>
+                        </p:par>
+                      </p:childTnLst>
+                    </p:cTn>
+                  </p:par>
+                  <p:par>
+                    <p:cTn id="33" fill="hold">
+                      <p:stCondLst>
+                        <p:cond delay="indefinite"/>
+                      </p:stCondLst>
+                      <p:childTnLst>
+                        <p:par>
+                          <p:cTn id="34" fill="hold">
+                            <p:stCondLst>
+                              <p:cond delay="0"/>
+                            </p:stCondLst>
+                            <p:childTnLst>
+                              <p:par>
+                                <p:cTn id="35" presetID="10" presetClass="entr" presetSubtype="0" fill="hold" grpId="0" nodeType="clickEffect">
+                                  <p:stCondLst>
+                                    <p:cond delay="0"/>
+                                  </p:stCondLst>
+                                  <p:childTnLst>
+                                    <p:set>
+                                      <p:cBhvr>
+                                        <p:cTn id="36" dur="1" fill="hold">
+                                          <p:stCondLst>
+                                            <p:cond delay="0"/>
+                                          </p:stCondLst>
+                                        </p:cTn>
+                                        <p:tgtEl>
+                                          <p:spTgt spid="3">
+                                            <p:txEl>
+                                              <p:pRg st="6" end="6"/>
+                                            </p:txEl>
+                                          </p:spTgt>
+                                        </p:tgtEl>
+                                        <p:attrNameLst>
+                                          <p:attrName>style.visibility</p:attrName>
+                                        </p:attrNameLst>
+                                      </p:cBhvr>
+                                      <p:to>
+                                        <p:strVal val="visible"/>
+                                      </p:to>
+                                    </p:set>
+                                    <p:animEffect transition="in" filter="fade">
+                                      <p:cBhvr>
+                                        <p:cTn id="37" dur="500"/>
+                                        <p:tgtEl>
+                                          <p:spTgt spid="3">
+                                            <p:txEl>
+                                              <p:pRg st="6" end="6"/>
+                                            </p:txEl>
+                                          </p:spTgt>
+                                        </p:tgtEl>
+                                      </p:cBhvr>
+                                    </p:animEffect>
+                                  </p:childTnLst>
+                                </p:cTn>
+                              </p:par>
+                            </p:childTnLst>
+                          </p:cTn>
+                        </p:par>
+                      </p:childTnLst>
+                    </p:cTn>
+                  </p:par>
+                  <p:par>
+                    <p:cTn id="38" fill="hold">
+                      <p:stCondLst>
+                        <p:cond delay="indefinite"/>
+                      </p:stCondLst>
+                      <p:childTnLst>
+                        <p:par>
+                          <p:cTn id="39" fill="hold">
+                            <p:stCondLst>
+                              <p:cond delay="0"/>
+                            </p:stCondLst>
+                            <p:childTnLst>
+                              <p:par>
+                                <p:cTn id="40" presetID="10" presetClass="entr" presetSubtype="0" fill="hold" grpId="0" nodeType="clickEffect">
+                                  <p:stCondLst>
+                                    <p:cond delay="0"/>
+                                  </p:stCondLst>
+                                  <p:childTnLst>
+                                    <p:set>
+                                      <p:cBhvr>
+                                        <p:cTn id="41" dur="1" fill="hold">
+                                          <p:stCondLst>
+                                            <p:cond delay="0"/>
+                                          </p:stCondLst>
+                                        </p:cTn>
+                                        <p:tgtEl>
+                                          <p:spTgt spid="3">
+                                            <p:txEl>
+                                              <p:pRg st="7" end="7"/>
+                                            </p:txEl>
+                                          </p:spTgt>
+                                        </p:tgtEl>
+                                        <p:attrNameLst>
+                                          <p:attrName>style.visibility</p:attrName>
+                                        </p:attrNameLst>
+                                      </p:cBhvr>
+                                      <p:to>
+                                        <p:strVal val="visible"/>
+                                      </p:to>
+                                    </p:set>
+                                    <p:animEffect transition="in" filter="fade">
+                                      <p:cBhvr>
+                                        <p:cTn id="42" dur="500"/>
+                                        <p:tgtEl>
+                                          <p:spTgt spid="3">
+                                            <p:txEl>
+                                              <p:pRg st="7" end="7"/>
+                                            </p:txEl>
+                                          </p:spTgt>
+                                        </p:tgtEl>
+                                      </p:cBhvr>
+                                    </p:animEffect>
+                                  </p:childTnLst>
+                                </p:cTn>
+                              </p:par>
+                            </p:childTnLst>
+                          </p:cTn>
+                        </p:par>
+                      </p:childTnLst>
+                    </p:cTn>
+                  </p:par>
+                  <p:par>
+                    <p:cTn id="43" fill="hold">
+                      <p:stCondLst>
+                        <p:cond delay="indefinite"/>
+                      </p:stCondLst>
+                      <p:childTnLst>
+                        <p:par>
+                          <p:cTn id="44" fill="hold">
+                            <p:stCondLst>
+                              <p:cond delay="0"/>
+                            </p:stCondLst>
+                            <p:childTnLst>
+                              <p:par>
+                                <p:cTn id="45" presetID="10" presetClass="entr" presetSubtype="0" fill="hold" grpId="0" nodeType="clickEffect">
+                                  <p:stCondLst>
+                                    <p:cond delay="0"/>
+                                  </p:stCondLst>
+                                  <p:childTnLst>
+                                    <p:set>
+                                      <p:cBhvr>
+                                        <p:cTn id="46" dur="1" fill="hold">
+                                          <p:stCondLst>
+                                            <p:cond delay="0"/>
+                                          </p:stCondLst>
+                                        </p:cTn>
+                                        <p:tgtEl>
+                                          <p:spTgt spid="3">
+                                            <p:txEl>
+                                              <p:pRg st="8" end="8"/>
+                                            </p:txEl>
+                                          </p:spTgt>
+                                        </p:tgtEl>
+                                        <p:attrNameLst>
+                                          <p:attrName>style.visibility</p:attrName>
+                                        </p:attrNameLst>
+                                      </p:cBhvr>
+                                      <p:to>
+                                        <p:strVal val="visible"/>
+                                      </p:to>
+                                    </p:set>
+                                    <p:animEffect transition="in" filter="fade">
+                                      <p:cBhvr>
+                                        <p:cTn id="47" dur="500"/>
+                                        <p:tgtEl>
+                                          <p:spTgt spid="3">
+                                            <p:txEl>
+                                              <p:pRg st="8" end="8"/>
+                                            </p:txEl>
+                                          </p:spTgt>
+                                        </p:tgtEl>
+                                      </p:cBhvr>
+                                    </p:animEffect>
+                                  </p:childTnLst>
+                                </p:cTn>
+                              </p:par>
+                            </p:childTnLst>
+                          </p:cTn>
+                        </p:par>
+                      </p:childTnLst>
+                    </p:cTn>
+                  </p:par>
+                  <p:par>
+                    <p:cTn id="48" fill="hold">
+                      <p:stCondLst>
+                        <p:cond delay="indefinite"/>
+                      </p:stCondLst>
+                      <p:childTnLst>
+                        <p:par>
+                          <p:cTn id="49" fill="hold">
+                            <p:stCondLst>
+                              <p:cond delay="0"/>
+                            </p:stCondLst>
+                            <p:childTnLst>
+                              <p:par>
+                                <p:cTn id="50" presetID="10" presetClass="entr" presetSubtype="0" fill="hold" grpId="0" nodeType="clickEffect">
+                                  <p:stCondLst>
+                                    <p:cond delay="0"/>
+                                  </p:stCondLst>
+                                  <p:childTnLst>
+                                    <p:set>
+                                      <p:cBhvr>
+                                        <p:cTn id="51" dur="1" fill="hold">
+                                          <p:stCondLst>
+                                            <p:cond delay="0"/>
+                                          </p:stCondLst>
+                                        </p:cTn>
+                                        <p:tgtEl>
+                                          <p:spTgt spid="3">
+                                            <p:txEl>
+                                              <p:pRg st="9" end="9"/>
+                                            </p:txEl>
+                                          </p:spTgt>
+                                        </p:tgtEl>
+                                        <p:attrNameLst>
+                                          <p:attrName>style.visibility</p:attrName>
+                                        </p:attrNameLst>
+                                      </p:cBhvr>
+                                      <p:to>
+                                        <p:strVal val="visible"/>
+                                      </p:to>
+                                    </p:set>
+                                    <p:animEffect transition="in" filter="fade">
+                                      <p:cBhvr>
+                                        <p:cTn id="52" dur="500"/>
+                                        <p:tgtEl>
+                                          <p:spTgt spid="3">
+                                            <p:txEl>
+                                              <p:pRg st="9" end="9"/>
+                                            </p:txEl>
+                                          </p:spTgt>
+                                        </p:tgtEl>
+                                      </p:cBhvr>
+                                    </p:animEffect>
+                                  </p:childTnLst>
+                                </p:cTn>
+                              </p:par>
+                            </p:childTnLst>
+                          </p:cTn>
+                        </p:par>
+                      </p:childTnLst>
+                    </p:cTn>
+                  </p:par>
+                </p:childTnLst>
+              </p:cTn>
+              <p:prevCondLst>
+                <p:cond evt="onPrev" delay="0">
+                  <p:tgtEl>
+                    <p:sldTgt/>
+                  </p:tgtEl>
+                </p:cond>
+              </p:prevCondLst>
+              <p:nextCondLst>
+                <p:cond evt="onNext" delay="0">
+                  <p:tgtEl>
+                    <p:sldTgt/>
+                  </p:tgtEl>
+                </p:cond>
+              </p:nextCondLst>
+            </p:seq>
+          </p:childTnLst>
+        </p:cTn>
       </p:par>
     </p:tnLst>
+    <p:bldLst>
+      <p:bldP spid="3" grpId="0" build="p"/>
+    </p:bldLst>
   </p:timing>
 </p:sld>
 </file>
@@ -5226,9 +9687,523 @@
   <p:timing>
     <p:tnLst>
       <p:par>
-        <p:cTn id="1" dur="indefinite" restart="never" nodeType="tmRoot"/>
+        <p:cTn id="1" dur="indefinite" restart="never" nodeType="tmRoot">
+          <p:childTnLst>
+            <p:seq concurrent="1" nextAc="seek">
+              <p:cTn id="2" dur="indefinite" nodeType="mainSeq">
+                <p:childTnLst>
+                  <p:par>
+                    <p:cTn id="3" fill="hold">
+                      <p:stCondLst>
+                        <p:cond delay="indefinite"/>
+                      </p:stCondLst>
+                      <p:childTnLst>
+                        <p:par>
+                          <p:cTn id="4" fill="hold">
+                            <p:stCondLst>
+                              <p:cond delay="0"/>
+                            </p:stCondLst>
+                            <p:childTnLst>
+                              <p:par>
+                                <p:cTn id="5" presetID="10" presetClass="entr" presetSubtype="0" fill="hold" grpId="0" nodeType="clickEffect">
+                                  <p:stCondLst>
+                                    <p:cond delay="0"/>
+                                  </p:stCondLst>
+                                  <p:childTnLst>
+                                    <p:set>
+                                      <p:cBhvr>
+                                        <p:cTn id="6" dur="1" fill="hold">
+                                          <p:stCondLst>
+                                            <p:cond delay="0"/>
+                                          </p:stCondLst>
+                                        </p:cTn>
+                                        <p:tgtEl>
+                                          <p:spTgt spid="3">
+                                            <p:txEl>
+                                              <p:pRg st="0" end="0"/>
+                                            </p:txEl>
+                                          </p:spTgt>
+                                        </p:tgtEl>
+                                        <p:attrNameLst>
+                                          <p:attrName>style.visibility</p:attrName>
+                                        </p:attrNameLst>
+                                      </p:cBhvr>
+                                      <p:to>
+                                        <p:strVal val="visible"/>
+                                      </p:to>
+                                    </p:set>
+                                    <p:animEffect transition="in" filter="fade">
+                                      <p:cBhvr>
+                                        <p:cTn id="7" dur="500"/>
+                                        <p:tgtEl>
+                                          <p:spTgt spid="3">
+                                            <p:txEl>
+                                              <p:pRg st="0" end="0"/>
+                                            </p:txEl>
+                                          </p:spTgt>
+                                        </p:tgtEl>
+                                      </p:cBhvr>
+                                    </p:animEffect>
+                                  </p:childTnLst>
+                                </p:cTn>
+                              </p:par>
+                            </p:childTnLst>
+                          </p:cTn>
+                        </p:par>
+                      </p:childTnLst>
+                    </p:cTn>
+                  </p:par>
+                  <p:par>
+                    <p:cTn id="8" fill="hold">
+                      <p:stCondLst>
+                        <p:cond delay="indefinite"/>
+                      </p:stCondLst>
+                      <p:childTnLst>
+                        <p:par>
+                          <p:cTn id="9" fill="hold">
+                            <p:stCondLst>
+                              <p:cond delay="0"/>
+                            </p:stCondLst>
+                            <p:childTnLst>
+                              <p:par>
+                                <p:cTn id="10" presetID="10" presetClass="entr" presetSubtype="0" fill="hold" grpId="0" nodeType="clickEffect">
+                                  <p:stCondLst>
+                                    <p:cond delay="0"/>
+                                  </p:stCondLst>
+                                  <p:childTnLst>
+                                    <p:set>
+                                      <p:cBhvr>
+                                        <p:cTn id="11" dur="1" fill="hold">
+                                          <p:stCondLst>
+                                            <p:cond delay="0"/>
+                                          </p:stCondLst>
+                                        </p:cTn>
+                                        <p:tgtEl>
+                                          <p:spTgt spid="3">
+                                            <p:txEl>
+                                              <p:pRg st="1" end="1"/>
+                                            </p:txEl>
+                                          </p:spTgt>
+                                        </p:tgtEl>
+                                        <p:attrNameLst>
+                                          <p:attrName>style.visibility</p:attrName>
+                                        </p:attrNameLst>
+                                      </p:cBhvr>
+                                      <p:to>
+                                        <p:strVal val="visible"/>
+                                      </p:to>
+                                    </p:set>
+                                    <p:animEffect transition="in" filter="fade">
+                                      <p:cBhvr>
+                                        <p:cTn id="12" dur="500"/>
+                                        <p:tgtEl>
+                                          <p:spTgt spid="3">
+                                            <p:txEl>
+                                              <p:pRg st="1" end="1"/>
+                                            </p:txEl>
+                                          </p:spTgt>
+                                        </p:tgtEl>
+                                      </p:cBhvr>
+                                    </p:animEffect>
+                                  </p:childTnLst>
+                                </p:cTn>
+                              </p:par>
+                            </p:childTnLst>
+                          </p:cTn>
+                        </p:par>
+                      </p:childTnLst>
+                    </p:cTn>
+                  </p:par>
+                  <p:par>
+                    <p:cTn id="13" fill="hold">
+                      <p:stCondLst>
+                        <p:cond delay="indefinite"/>
+                      </p:stCondLst>
+                      <p:childTnLst>
+                        <p:par>
+                          <p:cTn id="14" fill="hold">
+                            <p:stCondLst>
+                              <p:cond delay="0"/>
+                            </p:stCondLst>
+                            <p:childTnLst>
+                              <p:par>
+                                <p:cTn id="15" presetID="10" presetClass="entr" presetSubtype="0" fill="hold" grpId="0" nodeType="clickEffect">
+                                  <p:stCondLst>
+                                    <p:cond delay="0"/>
+                                  </p:stCondLst>
+                                  <p:childTnLst>
+                                    <p:set>
+                                      <p:cBhvr>
+                                        <p:cTn id="16" dur="1" fill="hold">
+                                          <p:stCondLst>
+                                            <p:cond delay="0"/>
+                                          </p:stCondLst>
+                                        </p:cTn>
+                                        <p:tgtEl>
+                                          <p:spTgt spid="3">
+                                            <p:txEl>
+                                              <p:pRg st="2" end="2"/>
+                                            </p:txEl>
+                                          </p:spTgt>
+                                        </p:tgtEl>
+                                        <p:attrNameLst>
+                                          <p:attrName>style.visibility</p:attrName>
+                                        </p:attrNameLst>
+                                      </p:cBhvr>
+                                      <p:to>
+                                        <p:strVal val="visible"/>
+                                      </p:to>
+                                    </p:set>
+                                    <p:animEffect transition="in" filter="fade">
+                                      <p:cBhvr>
+                                        <p:cTn id="17" dur="500"/>
+                                        <p:tgtEl>
+                                          <p:spTgt spid="3">
+                                            <p:txEl>
+                                              <p:pRg st="2" end="2"/>
+                                            </p:txEl>
+                                          </p:spTgt>
+                                        </p:tgtEl>
+                                      </p:cBhvr>
+                                    </p:animEffect>
+                                  </p:childTnLst>
+                                </p:cTn>
+                              </p:par>
+                            </p:childTnLst>
+                          </p:cTn>
+                        </p:par>
+                      </p:childTnLst>
+                    </p:cTn>
+                  </p:par>
+                  <p:par>
+                    <p:cTn id="18" fill="hold">
+                      <p:stCondLst>
+                        <p:cond delay="indefinite"/>
+                      </p:stCondLst>
+                      <p:childTnLst>
+                        <p:par>
+                          <p:cTn id="19" fill="hold">
+                            <p:stCondLst>
+                              <p:cond delay="0"/>
+                            </p:stCondLst>
+                            <p:childTnLst>
+                              <p:par>
+                                <p:cTn id="20" presetID="10" presetClass="entr" presetSubtype="0" fill="hold" grpId="0" nodeType="clickEffect">
+                                  <p:stCondLst>
+                                    <p:cond delay="0"/>
+                                  </p:stCondLst>
+                                  <p:childTnLst>
+                                    <p:set>
+                                      <p:cBhvr>
+                                        <p:cTn id="21" dur="1" fill="hold">
+                                          <p:stCondLst>
+                                            <p:cond delay="0"/>
+                                          </p:stCondLst>
+                                        </p:cTn>
+                                        <p:tgtEl>
+                                          <p:spTgt spid="3">
+                                            <p:txEl>
+                                              <p:pRg st="3" end="3"/>
+                                            </p:txEl>
+                                          </p:spTgt>
+                                        </p:tgtEl>
+                                        <p:attrNameLst>
+                                          <p:attrName>style.visibility</p:attrName>
+                                        </p:attrNameLst>
+                                      </p:cBhvr>
+                                      <p:to>
+                                        <p:strVal val="visible"/>
+                                      </p:to>
+                                    </p:set>
+                                    <p:animEffect transition="in" filter="fade">
+                                      <p:cBhvr>
+                                        <p:cTn id="22" dur="500"/>
+                                        <p:tgtEl>
+                                          <p:spTgt spid="3">
+                                            <p:txEl>
+                                              <p:pRg st="3" end="3"/>
+                                            </p:txEl>
+                                          </p:spTgt>
+                                        </p:tgtEl>
+                                      </p:cBhvr>
+                                    </p:animEffect>
+                                  </p:childTnLst>
+                                </p:cTn>
+                              </p:par>
+                            </p:childTnLst>
+                          </p:cTn>
+                        </p:par>
+                      </p:childTnLst>
+                    </p:cTn>
+                  </p:par>
+                  <p:par>
+                    <p:cTn id="23" fill="hold">
+                      <p:stCondLst>
+                        <p:cond delay="indefinite"/>
+                      </p:stCondLst>
+                      <p:childTnLst>
+                        <p:par>
+                          <p:cTn id="24" fill="hold">
+                            <p:stCondLst>
+                              <p:cond delay="0"/>
+                            </p:stCondLst>
+                            <p:childTnLst>
+                              <p:par>
+                                <p:cTn id="25" presetID="10" presetClass="entr" presetSubtype="0" fill="hold" grpId="0" nodeType="clickEffect">
+                                  <p:stCondLst>
+                                    <p:cond delay="0"/>
+                                  </p:stCondLst>
+                                  <p:childTnLst>
+                                    <p:set>
+                                      <p:cBhvr>
+                                        <p:cTn id="26" dur="1" fill="hold">
+                                          <p:stCondLst>
+                                            <p:cond delay="0"/>
+                                          </p:stCondLst>
+                                        </p:cTn>
+                                        <p:tgtEl>
+                                          <p:spTgt spid="3">
+                                            <p:txEl>
+                                              <p:pRg st="4" end="4"/>
+                                            </p:txEl>
+                                          </p:spTgt>
+                                        </p:tgtEl>
+                                        <p:attrNameLst>
+                                          <p:attrName>style.visibility</p:attrName>
+                                        </p:attrNameLst>
+                                      </p:cBhvr>
+                                      <p:to>
+                                        <p:strVal val="visible"/>
+                                      </p:to>
+                                    </p:set>
+                                    <p:animEffect transition="in" filter="fade">
+                                      <p:cBhvr>
+                                        <p:cTn id="27" dur="500"/>
+                                        <p:tgtEl>
+                                          <p:spTgt spid="3">
+                                            <p:txEl>
+                                              <p:pRg st="4" end="4"/>
+                                            </p:txEl>
+                                          </p:spTgt>
+                                        </p:tgtEl>
+                                      </p:cBhvr>
+                                    </p:animEffect>
+                                  </p:childTnLst>
+                                </p:cTn>
+                              </p:par>
+                            </p:childTnLst>
+                          </p:cTn>
+                        </p:par>
+                      </p:childTnLst>
+                    </p:cTn>
+                  </p:par>
+                  <p:par>
+                    <p:cTn id="28" fill="hold">
+                      <p:stCondLst>
+                        <p:cond delay="indefinite"/>
+                      </p:stCondLst>
+                      <p:childTnLst>
+                        <p:par>
+                          <p:cTn id="29" fill="hold">
+                            <p:stCondLst>
+                              <p:cond delay="0"/>
+                            </p:stCondLst>
+                            <p:childTnLst>
+                              <p:par>
+                                <p:cTn id="30" presetID="10" presetClass="entr" presetSubtype="0" fill="hold" grpId="0" nodeType="clickEffect">
+                                  <p:stCondLst>
+                                    <p:cond delay="0"/>
+                                  </p:stCondLst>
+                                  <p:childTnLst>
+                                    <p:set>
+                                      <p:cBhvr>
+                                        <p:cTn id="31" dur="1" fill="hold">
+                                          <p:stCondLst>
+                                            <p:cond delay="0"/>
+                                          </p:stCondLst>
+                                        </p:cTn>
+                                        <p:tgtEl>
+                                          <p:spTgt spid="3">
+                                            <p:txEl>
+                                              <p:pRg st="5" end="5"/>
+                                            </p:txEl>
+                                          </p:spTgt>
+                                        </p:tgtEl>
+                                        <p:attrNameLst>
+                                          <p:attrName>style.visibility</p:attrName>
+                                        </p:attrNameLst>
+                                      </p:cBhvr>
+                                      <p:to>
+                                        <p:strVal val="visible"/>
+                                      </p:to>
+                                    </p:set>
+                                    <p:animEffect transition="in" filter="fade">
+                                      <p:cBhvr>
+                                        <p:cTn id="32" dur="500"/>
+                                        <p:tgtEl>
+                                          <p:spTgt spid="3">
+                                            <p:txEl>
+                                              <p:pRg st="5" end="5"/>
+                                            </p:txEl>
+                                          </p:spTgt>
+                                        </p:tgtEl>
+                                      </p:cBhvr>
+                                    </p:animEffect>
+                                  </p:childTnLst>
+                                </p:cTn>
+                              </p:par>
+                            </p:childTnLst>
+                          </p:cTn>
+                        </p:par>
+                      </p:childTnLst>
+                    </p:cTn>
+                  </p:par>
+                  <p:par>
+                    <p:cTn id="33" fill="hold">
+                      <p:stCondLst>
+                        <p:cond delay="indefinite"/>
+                      </p:stCondLst>
+                      <p:childTnLst>
+                        <p:par>
+                          <p:cTn id="34" fill="hold">
+                            <p:stCondLst>
+                              <p:cond delay="0"/>
+                            </p:stCondLst>
+                            <p:childTnLst>
+                              <p:par>
+                                <p:cTn id="35" presetID="10" presetClass="entr" presetSubtype="0" fill="hold" grpId="0" nodeType="clickEffect">
+                                  <p:stCondLst>
+                                    <p:cond delay="0"/>
+                                  </p:stCondLst>
+                                  <p:childTnLst>
+                                    <p:set>
+                                      <p:cBhvr>
+                                        <p:cTn id="36" dur="1" fill="hold">
+                                          <p:stCondLst>
+                                            <p:cond delay="0"/>
+                                          </p:stCondLst>
+                                        </p:cTn>
+                                        <p:tgtEl>
+                                          <p:spTgt spid="3">
+                                            <p:txEl>
+                                              <p:pRg st="6" end="6"/>
+                                            </p:txEl>
+                                          </p:spTgt>
+                                        </p:tgtEl>
+                                        <p:attrNameLst>
+                                          <p:attrName>style.visibility</p:attrName>
+                                        </p:attrNameLst>
+                                      </p:cBhvr>
+                                      <p:to>
+                                        <p:strVal val="visible"/>
+                                      </p:to>
+                                    </p:set>
+                                    <p:animEffect transition="in" filter="fade">
+                                      <p:cBhvr>
+                                        <p:cTn id="37" dur="500"/>
+                                        <p:tgtEl>
+                                          <p:spTgt spid="3">
+                                            <p:txEl>
+                                              <p:pRg st="6" end="6"/>
+                                            </p:txEl>
+                                          </p:spTgt>
+                                        </p:tgtEl>
+                                      </p:cBhvr>
+                                    </p:animEffect>
+                                  </p:childTnLst>
+                                </p:cTn>
+                              </p:par>
+                            </p:childTnLst>
+                          </p:cTn>
+                        </p:par>
+                      </p:childTnLst>
+                    </p:cTn>
+                  </p:par>
+                  <p:par>
+                    <p:cTn id="38" fill="hold">
+                      <p:stCondLst>
+                        <p:cond delay="indefinite"/>
+                      </p:stCondLst>
+                      <p:childTnLst>
+                        <p:par>
+                          <p:cTn id="39" fill="hold">
+                            <p:stCondLst>
+                              <p:cond delay="0"/>
+                            </p:stCondLst>
+                            <p:childTnLst>
+                              <p:par>
+                                <p:cTn id="40" presetID="10" presetClass="entr" presetSubtype="0" fill="hold" grpId="0" nodeType="clickEffect">
+                                  <p:stCondLst>
+                                    <p:cond delay="0"/>
+                                  </p:stCondLst>
+                                  <p:childTnLst>
+                                    <p:set>
+                                      <p:cBhvr>
+                                        <p:cTn id="41" dur="1" fill="hold">
+                                          <p:stCondLst>
+                                            <p:cond delay="0"/>
+                                          </p:stCondLst>
+                                        </p:cTn>
+                                        <p:tgtEl>
+                                          <p:spTgt spid="3">
+                                            <p:txEl>
+                                              <p:pRg st="7" end="7"/>
+                                            </p:txEl>
+                                          </p:spTgt>
+                                        </p:tgtEl>
+                                        <p:attrNameLst>
+                                          <p:attrName>style.visibility</p:attrName>
+                                        </p:attrNameLst>
+                                      </p:cBhvr>
+                                      <p:to>
+                                        <p:strVal val="visible"/>
+                                      </p:to>
+                                    </p:set>
+                                    <p:animEffect transition="in" filter="fade">
+                                      <p:cBhvr>
+                                        <p:cTn id="42" dur="500"/>
+                                        <p:tgtEl>
+                                          <p:spTgt spid="3">
+                                            <p:txEl>
+                                              <p:pRg st="7" end="7"/>
+                                            </p:txEl>
+                                          </p:spTgt>
+                                        </p:tgtEl>
+                                      </p:cBhvr>
+                                    </p:animEffect>
+                                  </p:childTnLst>
+                                </p:cTn>
+                              </p:par>
+                            </p:childTnLst>
+                          </p:cTn>
+                        </p:par>
+                      </p:childTnLst>
+                    </p:cTn>
+                  </p:par>
+                </p:childTnLst>
+              </p:cTn>
+              <p:prevCondLst>
+                <p:cond evt="onPrev" delay="0">
+                  <p:tgtEl>
+                    <p:sldTgt/>
+                  </p:tgtEl>
+                </p:cond>
+              </p:prevCondLst>
+              <p:nextCondLst>
+                <p:cond evt="onNext" delay="0">
+                  <p:tgtEl>
+                    <p:sldTgt/>
+                  </p:tgtEl>
+                </p:cond>
+              </p:nextCondLst>
+            </p:seq>
+          </p:childTnLst>
+        </p:cTn>
       </p:par>
     </p:tnLst>
+    <p:bldLst>
+      <p:bldP spid="3" grpId="0" build="p"/>
+    </p:bldLst>
   </p:timing>
 </p:sld>
 </file>
@@ -5377,9 +10352,462 @@
   <p:timing>
     <p:tnLst>
       <p:par>
-        <p:cTn id="1" dur="indefinite" restart="never" nodeType="tmRoot"/>
+        <p:cTn id="1" dur="indefinite" restart="never" nodeType="tmRoot">
+          <p:childTnLst>
+            <p:seq concurrent="1" nextAc="seek">
+              <p:cTn id="2" dur="indefinite" nodeType="mainSeq">
+                <p:childTnLst>
+                  <p:par>
+                    <p:cTn id="3" fill="hold">
+                      <p:stCondLst>
+                        <p:cond delay="indefinite"/>
+                      </p:stCondLst>
+                      <p:childTnLst>
+                        <p:par>
+                          <p:cTn id="4" fill="hold">
+                            <p:stCondLst>
+                              <p:cond delay="0"/>
+                            </p:stCondLst>
+                            <p:childTnLst>
+                              <p:par>
+                                <p:cTn id="5" presetID="10" presetClass="entr" presetSubtype="0" fill="hold" grpId="0" nodeType="clickEffect">
+                                  <p:stCondLst>
+                                    <p:cond delay="0"/>
+                                  </p:stCondLst>
+                                  <p:childTnLst>
+                                    <p:set>
+                                      <p:cBhvr>
+                                        <p:cTn id="6" dur="1" fill="hold">
+                                          <p:stCondLst>
+                                            <p:cond delay="0"/>
+                                          </p:stCondLst>
+                                        </p:cTn>
+                                        <p:tgtEl>
+                                          <p:spTgt spid="3">
+                                            <p:txEl>
+                                              <p:pRg st="0" end="0"/>
+                                            </p:txEl>
+                                          </p:spTgt>
+                                        </p:tgtEl>
+                                        <p:attrNameLst>
+                                          <p:attrName>style.visibility</p:attrName>
+                                        </p:attrNameLst>
+                                      </p:cBhvr>
+                                      <p:to>
+                                        <p:strVal val="visible"/>
+                                      </p:to>
+                                    </p:set>
+                                    <p:animEffect transition="in" filter="fade">
+                                      <p:cBhvr>
+                                        <p:cTn id="7" dur="500"/>
+                                        <p:tgtEl>
+                                          <p:spTgt spid="3">
+                                            <p:txEl>
+                                              <p:pRg st="0" end="0"/>
+                                            </p:txEl>
+                                          </p:spTgt>
+                                        </p:tgtEl>
+                                      </p:cBhvr>
+                                    </p:animEffect>
+                                  </p:childTnLst>
+                                </p:cTn>
+                              </p:par>
+                            </p:childTnLst>
+                          </p:cTn>
+                        </p:par>
+                      </p:childTnLst>
+                    </p:cTn>
+                  </p:par>
+                  <p:par>
+                    <p:cTn id="8" fill="hold">
+                      <p:stCondLst>
+                        <p:cond delay="indefinite"/>
+                      </p:stCondLst>
+                      <p:childTnLst>
+                        <p:par>
+                          <p:cTn id="9" fill="hold">
+                            <p:stCondLst>
+                              <p:cond delay="0"/>
+                            </p:stCondLst>
+                            <p:childTnLst>
+                              <p:par>
+                                <p:cTn id="10" presetID="10" presetClass="entr" presetSubtype="0" fill="hold" grpId="0" nodeType="clickEffect">
+                                  <p:stCondLst>
+                                    <p:cond delay="0"/>
+                                  </p:stCondLst>
+                                  <p:childTnLst>
+                                    <p:set>
+                                      <p:cBhvr>
+                                        <p:cTn id="11" dur="1" fill="hold">
+                                          <p:stCondLst>
+                                            <p:cond delay="0"/>
+                                          </p:stCondLst>
+                                        </p:cTn>
+                                        <p:tgtEl>
+                                          <p:spTgt spid="3">
+                                            <p:txEl>
+                                              <p:pRg st="1" end="1"/>
+                                            </p:txEl>
+                                          </p:spTgt>
+                                        </p:tgtEl>
+                                        <p:attrNameLst>
+                                          <p:attrName>style.visibility</p:attrName>
+                                        </p:attrNameLst>
+                                      </p:cBhvr>
+                                      <p:to>
+                                        <p:strVal val="visible"/>
+                                      </p:to>
+                                    </p:set>
+                                    <p:animEffect transition="in" filter="fade">
+                                      <p:cBhvr>
+                                        <p:cTn id="12" dur="500"/>
+                                        <p:tgtEl>
+                                          <p:spTgt spid="3">
+                                            <p:txEl>
+                                              <p:pRg st="1" end="1"/>
+                                            </p:txEl>
+                                          </p:spTgt>
+                                        </p:tgtEl>
+                                      </p:cBhvr>
+                                    </p:animEffect>
+                                  </p:childTnLst>
+                                </p:cTn>
+                              </p:par>
+                            </p:childTnLst>
+                          </p:cTn>
+                        </p:par>
+                      </p:childTnLst>
+                    </p:cTn>
+                  </p:par>
+                  <p:par>
+                    <p:cTn id="13" fill="hold">
+                      <p:stCondLst>
+                        <p:cond delay="indefinite"/>
+                      </p:stCondLst>
+                      <p:childTnLst>
+                        <p:par>
+                          <p:cTn id="14" fill="hold">
+                            <p:stCondLst>
+                              <p:cond delay="0"/>
+                            </p:stCondLst>
+                            <p:childTnLst>
+                              <p:par>
+                                <p:cTn id="15" presetID="10" presetClass="entr" presetSubtype="0" fill="hold" grpId="0" nodeType="clickEffect">
+                                  <p:stCondLst>
+                                    <p:cond delay="0"/>
+                                  </p:stCondLst>
+                                  <p:childTnLst>
+                                    <p:set>
+                                      <p:cBhvr>
+                                        <p:cTn id="16" dur="1" fill="hold">
+                                          <p:stCondLst>
+                                            <p:cond delay="0"/>
+                                          </p:stCondLst>
+                                        </p:cTn>
+                                        <p:tgtEl>
+                                          <p:spTgt spid="3">
+                                            <p:txEl>
+                                              <p:pRg st="2" end="2"/>
+                                            </p:txEl>
+                                          </p:spTgt>
+                                        </p:tgtEl>
+                                        <p:attrNameLst>
+                                          <p:attrName>style.visibility</p:attrName>
+                                        </p:attrNameLst>
+                                      </p:cBhvr>
+                                      <p:to>
+                                        <p:strVal val="visible"/>
+                                      </p:to>
+                                    </p:set>
+                                    <p:animEffect transition="in" filter="fade">
+                                      <p:cBhvr>
+                                        <p:cTn id="17" dur="500"/>
+                                        <p:tgtEl>
+                                          <p:spTgt spid="3">
+                                            <p:txEl>
+                                              <p:pRg st="2" end="2"/>
+                                            </p:txEl>
+                                          </p:spTgt>
+                                        </p:tgtEl>
+                                      </p:cBhvr>
+                                    </p:animEffect>
+                                  </p:childTnLst>
+                                </p:cTn>
+                              </p:par>
+                            </p:childTnLst>
+                          </p:cTn>
+                        </p:par>
+                      </p:childTnLst>
+                    </p:cTn>
+                  </p:par>
+                  <p:par>
+                    <p:cTn id="18" fill="hold">
+                      <p:stCondLst>
+                        <p:cond delay="indefinite"/>
+                      </p:stCondLst>
+                      <p:childTnLst>
+                        <p:par>
+                          <p:cTn id="19" fill="hold">
+                            <p:stCondLst>
+                              <p:cond delay="0"/>
+                            </p:stCondLst>
+                            <p:childTnLst>
+                              <p:par>
+                                <p:cTn id="20" presetID="10" presetClass="entr" presetSubtype="0" fill="hold" grpId="0" nodeType="clickEffect">
+                                  <p:stCondLst>
+                                    <p:cond delay="0"/>
+                                  </p:stCondLst>
+                                  <p:childTnLst>
+                                    <p:set>
+                                      <p:cBhvr>
+                                        <p:cTn id="21" dur="1" fill="hold">
+                                          <p:stCondLst>
+                                            <p:cond delay="0"/>
+                                          </p:stCondLst>
+                                        </p:cTn>
+                                        <p:tgtEl>
+                                          <p:spTgt spid="3">
+                                            <p:txEl>
+                                              <p:pRg st="3" end="3"/>
+                                            </p:txEl>
+                                          </p:spTgt>
+                                        </p:tgtEl>
+                                        <p:attrNameLst>
+                                          <p:attrName>style.visibility</p:attrName>
+                                        </p:attrNameLst>
+                                      </p:cBhvr>
+                                      <p:to>
+                                        <p:strVal val="visible"/>
+                                      </p:to>
+                                    </p:set>
+                                    <p:animEffect transition="in" filter="fade">
+                                      <p:cBhvr>
+                                        <p:cTn id="22" dur="500"/>
+                                        <p:tgtEl>
+                                          <p:spTgt spid="3">
+                                            <p:txEl>
+                                              <p:pRg st="3" end="3"/>
+                                            </p:txEl>
+                                          </p:spTgt>
+                                        </p:tgtEl>
+                                      </p:cBhvr>
+                                    </p:animEffect>
+                                  </p:childTnLst>
+                                </p:cTn>
+                              </p:par>
+                            </p:childTnLst>
+                          </p:cTn>
+                        </p:par>
+                      </p:childTnLst>
+                    </p:cTn>
+                  </p:par>
+                  <p:par>
+                    <p:cTn id="23" fill="hold">
+                      <p:stCondLst>
+                        <p:cond delay="indefinite"/>
+                      </p:stCondLst>
+                      <p:childTnLst>
+                        <p:par>
+                          <p:cTn id="24" fill="hold">
+                            <p:stCondLst>
+                              <p:cond delay="0"/>
+                            </p:stCondLst>
+                            <p:childTnLst>
+                              <p:par>
+                                <p:cTn id="25" presetID="10" presetClass="entr" presetSubtype="0" fill="hold" grpId="0" nodeType="clickEffect">
+                                  <p:stCondLst>
+                                    <p:cond delay="0"/>
+                                  </p:stCondLst>
+                                  <p:childTnLst>
+                                    <p:set>
+                                      <p:cBhvr>
+                                        <p:cTn id="26" dur="1" fill="hold">
+                                          <p:stCondLst>
+                                            <p:cond delay="0"/>
+                                          </p:stCondLst>
+                                        </p:cTn>
+                                        <p:tgtEl>
+                                          <p:spTgt spid="3">
+                                            <p:txEl>
+                                              <p:pRg st="4" end="4"/>
+                                            </p:txEl>
+                                          </p:spTgt>
+                                        </p:tgtEl>
+                                        <p:attrNameLst>
+                                          <p:attrName>style.visibility</p:attrName>
+                                        </p:attrNameLst>
+                                      </p:cBhvr>
+                                      <p:to>
+                                        <p:strVal val="visible"/>
+                                      </p:to>
+                                    </p:set>
+                                    <p:animEffect transition="in" filter="fade">
+                                      <p:cBhvr>
+                                        <p:cTn id="27" dur="500"/>
+                                        <p:tgtEl>
+                                          <p:spTgt spid="3">
+                                            <p:txEl>
+                                              <p:pRg st="4" end="4"/>
+                                            </p:txEl>
+                                          </p:spTgt>
+                                        </p:tgtEl>
+                                      </p:cBhvr>
+                                    </p:animEffect>
+                                  </p:childTnLst>
+                                </p:cTn>
+                              </p:par>
+                            </p:childTnLst>
+                          </p:cTn>
+                        </p:par>
+                      </p:childTnLst>
+                    </p:cTn>
+                  </p:par>
+                  <p:par>
+                    <p:cTn id="28" fill="hold">
+                      <p:stCondLst>
+                        <p:cond delay="indefinite"/>
+                      </p:stCondLst>
+                      <p:childTnLst>
+                        <p:par>
+                          <p:cTn id="29" fill="hold">
+                            <p:stCondLst>
+                              <p:cond delay="0"/>
+                            </p:stCondLst>
+                            <p:childTnLst>
+                              <p:par>
+                                <p:cTn id="30" presetID="10" presetClass="entr" presetSubtype="0" fill="hold" grpId="0" nodeType="clickEffect">
+                                  <p:stCondLst>
+                                    <p:cond delay="0"/>
+                                  </p:stCondLst>
+                                  <p:childTnLst>
+                                    <p:set>
+                                      <p:cBhvr>
+                                        <p:cTn id="31" dur="1" fill="hold">
+                                          <p:stCondLst>
+                                            <p:cond delay="0"/>
+                                          </p:stCondLst>
+                                        </p:cTn>
+                                        <p:tgtEl>
+                                          <p:spTgt spid="3">
+                                            <p:txEl>
+                                              <p:pRg st="5" end="5"/>
+                                            </p:txEl>
+                                          </p:spTgt>
+                                        </p:tgtEl>
+                                        <p:attrNameLst>
+                                          <p:attrName>style.visibility</p:attrName>
+                                        </p:attrNameLst>
+                                      </p:cBhvr>
+                                      <p:to>
+                                        <p:strVal val="visible"/>
+                                      </p:to>
+                                    </p:set>
+                                    <p:animEffect transition="in" filter="fade">
+                                      <p:cBhvr>
+                                        <p:cTn id="32" dur="500"/>
+                                        <p:tgtEl>
+                                          <p:spTgt spid="3">
+                                            <p:txEl>
+                                              <p:pRg st="5" end="5"/>
+                                            </p:txEl>
+                                          </p:spTgt>
+                                        </p:tgtEl>
+                                      </p:cBhvr>
+                                    </p:animEffect>
+                                  </p:childTnLst>
+                                </p:cTn>
+                              </p:par>
+                            </p:childTnLst>
+                          </p:cTn>
+                        </p:par>
+                      </p:childTnLst>
+                    </p:cTn>
+                  </p:par>
+                  <p:par>
+                    <p:cTn id="33" fill="hold">
+                      <p:stCondLst>
+                        <p:cond delay="indefinite"/>
+                      </p:stCondLst>
+                      <p:childTnLst>
+                        <p:par>
+                          <p:cTn id="34" fill="hold">
+                            <p:stCondLst>
+                              <p:cond delay="0"/>
+                            </p:stCondLst>
+                            <p:childTnLst>
+                              <p:par>
+                                <p:cTn id="35" presetID="10" presetClass="entr" presetSubtype="0" fill="hold" grpId="0" nodeType="clickEffect">
+                                  <p:stCondLst>
+                                    <p:cond delay="0"/>
+                                  </p:stCondLst>
+                                  <p:childTnLst>
+                                    <p:set>
+                                      <p:cBhvr>
+                                        <p:cTn id="36" dur="1" fill="hold">
+                                          <p:stCondLst>
+                                            <p:cond delay="0"/>
+                                          </p:stCondLst>
+                                        </p:cTn>
+                                        <p:tgtEl>
+                                          <p:spTgt spid="3">
+                                            <p:txEl>
+                                              <p:pRg st="6" end="6"/>
+                                            </p:txEl>
+                                          </p:spTgt>
+                                        </p:tgtEl>
+                                        <p:attrNameLst>
+                                          <p:attrName>style.visibility</p:attrName>
+                                        </p:attrNameLst>
+                                      </p:cBhvr>
+                                      <p:to>
+                                        <p:strVal val="visible"/>
+                                      </p:to>
+                                    </p:set>
+                                    <p:animEffect transition="in" filter="fade">
+                                      <p:cBhvr>
+                                        <p:cTn id="37" dur="500"/>
+                                        <p:tgtEl>
+                                          <p:spTgt spid="3">
+                                            <p:txEl>
+                                              <p:pRg st="6" end="6"/>
+                                            </p:txEl>
+                                          </p:spTgt>
+                                        </p:tgtEl>
+                                      </p:cBhvr>
+                                    </p:animEffect>
+                                  </p:childTnLst>
+                                </p:cTn>
+                              </p:par>
+                            </p:childTnLst>
+                          </p:cTn>
+                        </p:par>
+                      </p:childTnLst>
+                    </p:cTn>
+                  </p:par>
+                </p:childTnLst>
+              </p:cTn>
+              <p:prevCondLst>
+                <p:cond evt="onPrev" delay="0">
+                  <p:tgtEl>
+                    <p:sldTgt/>
+                  </p:tgtEl>
+                </p:cond>
+              </p:prevCondLst>
+              <p:nextCondLst>
+                <p:cond evt="onNext" delay="0">
+                  <p:tgtEl>
+                    <p:sldTgt/>
+                  </p:tgtEl>
+                </p:cond>
+              </p:nextCondLst>
+            </p:seq>
+          </p:childTnLst>
+        </p:cTn>
       </p:par>
     </p:tnLst>
+    <p:bldLst>
+      <p:bldP spid="3" grpId="0" build="p"/>
+    </p:bldLst>
   </p:timing>
 </p:sld>
 </file>
